--- a/welcome/Python welcome.pptx
+++ b/welcome/Python welcome.pptx
@@ -8804,6 +8804,99 @@
     <p:extLst>
       <p:ext uri="{BB962C8B-B14F-4D97-AF65-F5344CB8AC3E}">
         <p14:creationId xmlns:p14="http://schemas.microsoft.com/office/powerpoint/2010/main" val="1317206071"/>
+      </p:ext>
+    </p:extLst>
+  </p:cSld>
+  <p:clrMapOvr>
+    <a:masterClrMapping/>
+  </p:clrMapOvr>
+</p:notes>
+</file>
+
+<file path=ppt/notesSlides/notesSlide2.xml><?xml version="1.0" encoding="utf-8"?>
+<p:notes xmlns:a="http://schemas.openxmlformats.org/drawingml/2006/main" xmlns:r="http://schemas.openxmlformats.org/officeDocument/2006/relationships" xmlns:p="http://schemas.openxmlformats.org/presentationml/2006/main">
+  <p:cSld>
+    <p:spTree>
+      <p:nvGrpSpPr>
+        <p:cNvPr id="1" name=""/>
+        <p:cNvGrpSpPr/>
+        <p:nvPr/>
+      </p:nvGrpSpPr>
+      <p:grpSpPr>
+        <a:xfrm>
+          <a:off x="0" y="0"/>
+          <a:ext cx="0" cy="0"/>
+          <a:chOff x="0" y="0"/>
+          <a:chExt cx="0" cy="0"/>
+        </a:xfrm>
+      </p:grpSpPr>
+      <p:sp>
+        <p:nvSpPr>
+          <p:cNvPr id="2" name="Slide Image Placeholder 1"/>
+          <p:cNvSpPr>
+            <a:spLocks noGrp="1" noRot="1" noChangeAspect="1"/>
+          </p:cNvSpPr>
+          <p:nvPr>
+            <p:ph type="sldImg"/>
+          </p:nvPr>
+        </p:nvSpPr>
+        <p:spPr/>
+      </p:sp>
+      <p:sp>
+        <p:nvSpPr>
+          <p:cNvPr id="3" name="Notes Placeholder 2"/>
+          <p:cNvSpPr>
+            <a:spLocks noGrp="1"/>
+          </p:cNvSpPr>
+          <p:nvPr>
+            <p:ph type="body" idx="1"/>
+          </p:nvPr>
+        </p:nvSpPr>
+        <p:spPr/>
+        <p:txBody>
+          <a:bodyPr/>
+          <a:lstStyle/>
+          <a:p>
+            <a:r>
+              <a:rPr lang="en-US" dirty="0"/>
+              <a:t>https://ebookcentral-proquest-com.ezproxy.lib.usf.edu/lib/usf/detail.action?docID=625412</a:t>
+            </a:r>
+          </a:p>
+        </p:txBody>
+      </p:sp>
+      <p:sp>
+        <p:nvSpPr>
+          <p:cNvPr id="4" name="Slide Number Placeholder 3"/>
+          <p:cNvSpPr>
+            <a:spLocks noGrp="1"/>
+          </p:cNvSpPr>
+          <p:nvPr>
+            <p:ph type="sldNum" sz="quarter" idx="10"/>
+          </p:nvPr>
+        </p:nvSpPr>
+        <p:spPr/>
+        <p:txBody>
+          <a:bodyPr/>
+          <a:lstStyle/>
+          <a:p>
+            <a:pPr>
+              <a:defRPr/>
+            </a:pPr>
+            <a:fld id="{39D4D49D-0E73-49C9-97A1-C58337DEFBD6}" type="slidenum">
+              <a:rPr lang="en-US" smtClean="0"/>
+              <a:pPr>
+                <a:defRPr/>
+              </a:pPr>
+              <a:t>7</a:t>
+            </a:fld>
+            <a:endParaRPr lang="en-US"/>
+          </a:p>
+        </p:txBody>
+      </p:sp>
+    </p:spTree>
+    <p:extLst>
+      <p:ext uri="{BB962C8B-B14F-4D97-AF65-F5344CB8AC3E}">
+        <p14:creationId xmlns:p14="http://schemas.microsoft.com/office/powerpoint/2010/main" val="324113964"/>
       </p:ext>
     </p:extLst>
   </p:cSld>
@@ -13183,6 +13276,235 @@
   <p:transition>
     <p:fade/>
   </p:transition>
+  <p:timing>
+    <p:tnLst>
+      <p:par>
+        <p:cTn id="1" dur="indefinite" restart="never" nodeType="tmRoot">
+          <p:childTnLst>
+            <p:seq concurrent="1" nextAc="seek">
+              <p:cTn id="2" dur="indefinite" nodeType="mainSeq">
+                <p:childTnLst>
+                  <p:par>
+                    <p:cTn id="3" fill="hold">
+                      <p:stCondLst>
+                        <p:cond delay="indefinite"/>
+                      </p:stCondLst>
+                      <p:childTnLst>
+                        <p:par>
+                          <p:cTn id="4" fill="hold">
+                            <p:stCondLst>
+                              <p:cond delay="0"/>
+                            </p:stCondLst>
+                            <p:childTnLst>
+                              <p:par>
+                                <p:cTn id="5" presetID="42" presetClass="entr" presetSubtype="0" fill="hold" grpId="0" nodeType="clickEffect">
+                                  <p:stCondLst>
+                                    <p:cond delay="0"/>
+                                  </p:stCondLst>
+                                  <p:childTnLst>
+                                    <p:set>
+                                      <p:cBhvr>
+                                        <p:cTn id="6" dur="1" fill="hold">
+                                          <p:stCondLst>
+                                            <p:cond delay="0"/>
+                                          </p:stCondLst>
+                                        </p:cTn>
+                                        <p:tgtEl>
+                                          <p:spTgt spid="3">
+                                            <p:txEl>
+                                              <p:pRg st="0" end="0"/>
+                                            </p:txEl>
+                                          </p:spTgt>
+                                        </p:tgtEl>
+                                        <p:attrNameLst>
+                                          <p:attrName>style.visibility</p:attrName>
+                                        </p:attrNameLst>
+                                      </p:cBhvr>
+                                      <p:to>
+                                        <p:strVal val="visible"/>
+                                      </p:to>
+                                    </p:set>
+                                    <p:animEffect transition="in" filter="fade">
+                                      <p:cBhvr>
+                                        <p:cTn id="7" dur="1000"/>
+                                        <p:tgtEl>
+                                          <p:spTgt spid="3">
+                                            <p:txEl>
+                                              <p:pRg st="0" end="0"/>
+                                            </p:txEl>
+                                          </p:spTgt>
+                                        </p:tgtEl>
+                                      </p:cBhvr>
+                                    </p:animEffect>
+                                    <p:anim calcmode="lin" valueType="num">
+                                      <p:cBhvr>
+                                        <p:cTn id="8" dur="1000" fill="hold"/>
+                                        <p:tgtEl>
+                                          <p:spTgt spid="3">
+                                            <p:txEl>
+                                              <p:pRg st="0" end="0"/>
+                                            </p:txEl>
+                                          </p:spTgt>
+                                        </p:tgtEl>
+                                        <p:attrNameLst>
+                                          <p:attrName>ppt_x</p:attrName>
+                                        </p:attrNameLst>
+                                      </p:cBhvr>
+                                      <p:tavLst>
+                                        <p:tav tm="0">
+                                          <p:val>
+                                            <p:strVal val="#ppt_x"/>
+                                          </p:val>
+                                        </p:tav>
+                                        <p:tav tm="100000">
+                                          <p:val>
+                                            <p:strVal val="#ppt_x"/>
+                                          </p:val>
+                                        </p:tav>
+                                      </p:tavLst>
+                                    </p:anim>
+                                    <p:anim calcmode="lin" valueType="num">
+                                      <p:cBhvr>
+                                        <p:cTn id="9" dur="1000" fill="hold"/>
+                                        <p:tgtEl>
+                                          <p:spTgt spid="3">
+                                            <p:txEl>
+                                              <p:pRg st="0" end="0"/>
+                                            </p:txEl>
+                                          </p:spTgt>
+                                        </p:tgtEl>
+                                        <p:attrNameLst>
+                                          <p:attrName>ppt_y</p:attrName>
+                                        </p:attrNameLst>
+                                      </p:cBhvr>
+                                      <p:tavLst>
+                                        <p:tav tm="0">
+                                          <p:val>
+                                            <p:strVal val="#ppt_y+.1"/>
+                                          </p:val>
+                                        </p:tav>
+                                        <p:tav tm="100000">
+                                          <p:val>
+                                            <p:strVal val="#ppt_y"/>
+                                          </p:val>
+                                        </p:tav>
+                                      </p:tavLst>
+                                    </p:anim>
+                                  </p:childTnLst>
+                                </p:cTn>
+                              </p:par>
+                              <p:par>
+                                <p:cTn id="10" presetID="42" presetClass="entr" presetSubtype="0" fill="hold" nodeType="withEffect">
+                                  <p:stCondLst>
+                                    <p:cond delay="0"/>
+                                  </p:stCondLst>
+                                  <p:childTnLst>
+                                    <p:set>
+                                      <p:cBhvr>
+                                        <p:cTn id="11" dur="1" fill="hold">
+                                          <p:stCondLst>
+                                            <p:cond delay="0"/>
+                                          </p:stCondLst>
+                                        </p:cTn>
+                                        <p:tgtEl>
+                                          <p:spTgt spid="6"/>
+                                        </p:tgtEl>
+                                        <p:attrNameLst>
+                                          <p:attrName>style.visibility</p:attrName>
+                                        </p:attrNameLst>
+                                      </p:cBhvr>
+                                      <p:to>
+                                        <p:strVal val="visible"/>
+                                      </p:to>
+                                    </p:set>
+                                    <p:animEffect transition="in" filter="fade">
+                                      <p:cBhvr>
+                                        <p:cTn id="12" dur="1000"/>
+                                        <p:tgtEl>
+                                          <p:spTgt spid="6"/>
+                                        </p:tgtEl>
+                                      </p:cBhvr>
+                                    </p:animEffect>
+                                    <p:anim calcmode="lin" valueType="num">
+                                      <p:cBhvr>
+                                        <p:cTn id="13" dur="1000" fill="hold"/>
+                                        <p:tgtEl>
+                                          <p:spTgt spid="6"/>
+                                        </p:tgtEl>
+                                        <p:attrNameLst>
+                                          <p:attrName>ppt_x</p:attrName>
+                                        </p:attrNameLst>
+                                      </p:cBhvr>
+                                      <p:tavLst>
+                                        <p:tav tm="0">
+                                          <p:val>
+                                            <p:strVal val="#ppt_x"/>
+                                          </p:val>
+                                        </p:tav>
+                                        <p:tav tm="100000">
+                                          <p:val>
+                                            <p:strVal val="#ppt_x"/>
+                                          </p:val>
+                                        </p:tav>
+                                      </p:tavLst>
+                                    </p:anim>
+                                    <p:anim calcmode="lin" valueType="num">
+                                      <p:cBhvr>
+                                        <p:cTn id="14" dur="1000" fill="hold"/>
+                                        <p:tgtEl>
+                                          <p:spTgt spid="6"/>
+                                        </p:tgtEl>
+                                        <p:attrNameLst>
+                                          <p:attrName>ppt_y</p:attrName>
+                                        </p:attrNameLst>
+                                      </p:cBhvr>
+                                      <p:tavLst>
+                                        <p:tav tm="0">
+                                          <p:val>
+                                            <p:strVal val="#ppt_y+.1"/>
+                                          </p:val>
+                                        </p:tav>
+                                        <p:tav tm="100000">
+                                          <p:val>
+                                            <p:strVal val="#ppt_y"/>
+                                          </p:val>
+                                        </p:tav>
+                                      </p:tavLst>
+                                    </p:anim>
+                                  </p:childTnLst>
+                                </p:cTn>
+                              </p:par>
+                            </p:childTnLst>
+                          </p:cTn>
+                        </p:par>
+                      </p:childTnLst>
+                    </p:cTn>
+                  </p:par>
+                </p:childTnLst>
+              </p:cTn>
+              <p:prevCondLst>
+                <p:cond evt="onPrev" delay="0">
+                  <p:tgtEl>
+                    <p:sldTgt/>
+                  </p:tgtEl>
+                </p:cond>
+              </p:prevCondLst>
+              <p:nextCondLst>
+                <p:cond evt="onNext" delay="0">
+                  <p:tgtEl>
+                    <p:sldTgt/>
+                  </p:tgtEl>
+                </p:cond>
+              </p:nextCondLst>
+            </p:seq>
+          </p:childTnLst>
+        </p:cTn>
+      </p:par>
+    </p:tnLst>
+    <p:bldLst>
+      <p:bldP spid="3" grpId="0" build="p"/>
+    </p:bldLst>
+  </p:timing>
 </p:sld>
 </file>
 
@@ -13352,7 +13674,7 @@
           </p:nvPr>
         </p:nvPicPr>
         <p:blipFill>
-          <a:blip r:embed="rId2" cstate="print">
+          <a:blip r:embed="rId3" cstate="print">
             <a:extLst>
               <a:ext uri="{28A0092B-C50C-407E-A947-70E740481C1C}">
                 <a14:useLocalDpi xmlns:a14="http://schemas.microsoft.com/office/drawing/2010/main" val="0"/>
@@ -13483,7 +13805,7 @@
             </a:r>
             <a:r>
               <a:rPr lang="en-US" dirty="0">
-                <a:hlinkClick r:id="rId3"/>
+                <a:hlinkClick r:id="rId4"/>
               </a:rPr>
               <a:t>http://interactivepython.org/runestone/static/pythonds/index.html</a:t>
             </a:r>
@@ -13521,7 +13843,7 @@
           <p:nvPr/>
         </p:nvPicPr>
         <p:blipFill>
-          <a:blip r:embed="rId4">
+          <a:blip r:embed="rId5">
             <a:extLst>
               <a:ext uri="{28A0092B-C50C-407E-A947-70E740481C1C}">
                 <a14:useLocalDpi xmlns:a14="http://schemas.microsoft.com/office/drawing/2010/main" val="0"/>

--- a/welcome/Python welcome.pptx
+++ b/welcome/Python welcome.pptx
@@ -5,19 +5,20 @@
     <p:sldMasterId id="2147483657" r:id="rId1"/>
   </p:sldMasterIdLst>
   <p:notesMasterIdLst>
-    <p:notesMasterId r:id="rId9"/>
+    <p:notesMasterId r:id="rId10"/>
   </p:notesMasterIdLst>
   <p:handoutMasterIdLst>
-    <p:handoutMasterId r:id="rId10"/>
+    <p:handoutMasterId r:id="rId11"/>
   </p:handoutMasterIdLst>
   <p:sldIdLst>
     <p:sldId id="319" r:id="rId2"/>
-    <p:sldId id="320" r:id="rId3"/>
-    <p:sldId id="321" r:id="rId4"/>
-    <p:sldId id="322" r:id="rId5"/>
-    <p:sldId id="323" r:id="rId6"/>
-    <p:sldId id="324" r:id="rId7"/>
-    <p:sldId id="325" r:id="rId8"/>
+    <p:sldId id="326" r:id="rId3"/>
+    <p:sldId id="320" r:id="rId4"/>
+    <p:sldId id="321" r:id="rId5"/>
+    <p:sldId id="322" r:id="rId6"/>
+    <p:sldId id="323" r:id="rId7"/>
+    <p:sldId id="324" r:id="rId8"/>
+    <p:sldId id="325" r:id="rId9"/>
   </p:sldIdLst>
   <p:sldSz cx="9144000" cy="6858000" type="screen4x3"/>
   <p:notesSz cx="6858000" cy="9144000"/>
@@ -8794,7 +8795,7 @@
           <a:p>
             <a:fld id="{23230B90-8E86-4311-9B56-A650FC2B43AB}" type="slidenum">
               <a:rPr lang="en-US" smtClean="0"/>
-              <a:t>2</a:t>
+              <a:t>3</a:t>
             </a:fld>
             <a:endParaRPr lang="en-US"/>
           </a:p>
@@ -8887,7 +8888,7 @@
               <a:pPr>
                 <a:defRPr/>
               </a:pPr>
-              <a:t>7</a:t>
+              <a:t>8</a:t>
             </a:fld>
             <a:endParaRPr lang="en-US"/>
           </a:p>
@@ -9867,101 +9868,6 @@
           <a:chExt cx="0" cy="0"/>
         </a:xfrm>
       </p:grpSpPr>
-      <p:pic>
-        <p:nvPicPr>
-          <p:cNvPr id="7" name="Picture 6" descr="Bulls logo - gold.png"/>
-          <p:cNvPicPr>
-            <a:picLocks noChangeAspect="1"/>
-          </p:cNvPicPr>
-          <p:nvPr userDrawn="1"/>
-        </p:nvPicPr>
-        <p:blipFill>
-          <a:blip r:embed="rId2" cstate="print">
-            <a:extLst>
-              <a:ext uri="{28A0092B-C50C-407E-A947-70E740481C1C}">
-                <a14:useLocalDpi xmlns:a14="http://schemas.microsoft.com/office/drawing/2010/main" val="0"/>
-              </a:ext>
-            </a:extLst>
-          </a:blip>
-          <a:stretch>
-            <a:fillRect/>
-          </a:stretch>
-        </p:blipFill>
-        <p:spPr>
-          <a:xfrm>
-            <a:off x="1064344" y="0"/>
-            <a:ext cx="7530657" cy="6069713"/>
-          </a:xfrm>
-          <a:prstGeom prst="rect">
-            <a:avLst/>
-          </a:prstGeom>
-        </p:spPr>
-      </p:pic>
-      <p:sp>
-        <p:nvSpPr>
-          <p:cNvPr id="10" name="Rectangle 9"/>
-          <p:cNvSpPr/>
-          <p:nvPr userDrawn="1"/>
-        </p:nvSpPr>
-        <p:spPr bwMode="auto">
-          <a:xfrm>
-            <a:off x="0" y="0"/>
-            <a:ext cx="9144000" cy="6858000"/>
-          </a:xfrm>
-          <a:prstGeom prst="rect">
-            <a:avLst/>
-          </a:prstGeom>
-          <a:solidFill>
-            <a:schemeClr val="bg1">
-              <a:alpha val="90000"/>
-            </a:schemeClr>
-          </a:solidFill>
-          <a:ln w="9525" cap="flat" cmpd="sng" algn="ctr">
-            <a:noFill/>
-            <a:prstDash val="solid"/>
-            <a:round/>
-            <a:headEnd type="none" w="med" len="med"/>
-            <a:tailEnd type="none" w="med" len="med"/>
-          </a:ln>
-          <a:effectLst/>
-        </p:spPr>
-        <p:txBody>
-          <a:bodyPr vert="horz" wrap="square" lIns="91440" tIns="45720" rIns="91440" bIns="45720" numCol="1" rtlCol="0" anchor="t" anchorCtr="0" compatLnSpc="1">
-            <a:prstTxWarp prst="textNoShape">
-              <a:avLst/>
-            </a:prstTxWarp>
-          </a:bodyPr>
-          <a:lstStyle/>
-          <a:p>
-            <a:pPr marL="0" marR="0" indent="0" algn="ctr" defTabSz="914400" rtl="0" eaLnBrk="1" fontAlgn="base" latinLnBrk="0" hangingPunct="1">
-              <a:lnSpc>
-                <a:spcPct val="100000"/>
-              </a:lnSpc>
-              <a:spcBef>
-                <a:spcPct val="0"/>
-              </a:spcBef>
-              <a:spcAft>
-                <a:spcPct val="0"/>
-              </a:spcAft>
-              <a:buClrTx/>
-              <a:buSzTx/>
-              <a:buFontTx/>
-              <a:buNone/>
-              <a:tabLst/>
-            </a:pPr>
-            <a:endParaRPr kumimoji="0" lang="en-US" sz="1800" b="0" i="0" u="none" strike="noStrike" cap="none" normalizeH="0" baseline="0">
-              <a:ln>
-                <a:noFill/>
-              </a:ln>
-              <a:solidFill>
-                <a:schemeClr val="tx1"/>
-              </a:solidFill>
-              <a:effectLst/>
-              <a:latin typeface="Arial" charset="0"/>
-            </a:endParaRPr>
-          </a:p>
-        </p:txBody>
-      </p:sp>
       <p:sp>
         <p:nvSpPr>
           <p:cNvPr id="3" name="Content Placeholder 2"/>
@@ -10057,7 +9963,7 @@
           <p:nvPr userDrawn="1"/>
         </p:nvPicPr>
         <p:blipFill rotWithShape="1">
-          <a:blip r:embed="rId3" cstate="print">
+          <a:blip r:embed="rId2" cstate="print">
             <a:extLst>
               <a:ext uri="{28A0092B-C50C-407E-A947-70E740481C1C}">
                 <a14:useLocalDpi xmlns:a14="http://schemas.microsoft.com/office/drawing/2010/main" val="0"/>
@@ -11845,6 +11751,760 @@
           <a:chExt cx="0" cy="0"/>
         </a:xfrm>
       </p:grpSpPr>
+      <p:pic>
+        <p:nvPicPr>
+          <p:cNvPr id="8" name="Picture 16" descr="Image result for aws">
+            <a:extLst>
+              <a:ext uri="{FF2B5EF4-FFF2-40B4-BE49-F238E27FC236}">
+                <a16:creationId xmlns:a16="http://schemas.microsoft.com/office/drawing/2014/main" id="{111603C9-4792-4858-8F85-D5D1FA9C8715}"/>
+              </a:ext>
+            </a:extLst>
+          </p:cNvPr>
+          <p:cNvPicPr>
+            <a:picLocks noChangeAspect="1" noChangeArrowheads="1"/>
+          </p:cNvPicPr>
+          <p:nvPr/>
+        </p:nvPicPr>
+        <p:blipFill>
+          <a:blip r:embed="rId2" cstate="print">
+            <a:extLst>
+              <a:ext uri="{28A0092B-C50C-407E-A947-70E740481C1C}">
+                <a14:useLocalDpi xmlns:a14="http://schemas.microsoft.com/office/drawing/2010/main" val="0"/>
+              </a:ext>
+            </a:extLst>
+          </a:blip>
+          <a:srcRect/>
+          <a:stretch>
+            <a:fillRect/>
+          </a:stretch>
+        </p:blipFill>
+        <p:spPr bwMode="auto">
+          <a:xfrm>
+            <a:off x="4509344" y="2707899"/>
+            <a:ext cx="740938" cy="740938"/>
+          </a:xfrm>
+          <a:prstGeom prst="rect">
+            <a:avLst/>
+          </a:prstGeom>
+          <a:noFill/>
+          <a:extLst>
+            <a:ext uri="{909E8E84-426E-40DD-AFC4-6F175D3DCCD1}">
+              <a14:hiddenFill xmlns:a14="http://schemas.microsoft.com/office/drawing/2010/main">
+                <a:solidFill>
+                  <a:srgbClr val="FFFFFF"/>
+                </a:solidFill>
+              </a14:hiddenFill>
+            </a:ext>
+          </a:extLst>
+        </p:spPr>
+      </p:pic>
+      <p:pic>
+        <p:nvPicPr>
+          <p:cNvPr id="9" name="Picture 18" descr="Image result for c programming">
+            <a:extLst>
+              <a:ext uri="{FF2B5EF4-FFF2-40B4-BE49-F238E27FC236}">
+                <a16:creationId xmlns:a16="http://schemas.microsoft.com/office/drawing/2014/main" id="{472DCEDB-8145-4B4B-9439-A8D33F0BCDDF}"/>
+              </a:ext>
+            </a:extLst>
+          </p:cNvPr>
+          <p:cNvPicPr>
+            <a:picLocks noChangeAspect="1" noChangeArrowheads="1"/>
+          </p:cNvPicPr>
+          <p:nvPr/>
+        </p:nvPicPr>
+        <p:blipFill>
+          <a:blip r:embed="rId3" cstate="print">
+            <a:extLst>
+              <a:ext uri="{28A0092B-C50C-407E-A947-70E740481C1C}">
+                <a14:useLocalDpi xmlns:a14="http://schemas.microsoft.com/office/drawing/2010/main" val="0"/>
+              </a:ext>
+            </a:extLst>
+          </a:blip>
+          <a:srcRect/>
+          <a:stretch>
+            <a:fillRect/>
+          </a:stretch>
+        </p:blipFill>
+        <p:spPr bwMode="auto">
+          <a:xfrm>
+            <a:off x="1229261" y="2890038"/>
+            <a:ext cx="438351" cy="465994"/>
+          </a:xfrm>
+          <a:prstGeom prst="rect">
+            <a:avLst/>
+          </a:prstGeom>
+          <a:noFill/>
+          <a:extLst>
+            <a:ext uri="{909E8E84-426E-40DD-AFC4-6F175D3DCCD1}">
+              <a14:hiddenFill xmlns:a14="http://schemas.microsoft.com/office/drawing/2010/main">
+                <a:solidFill>
+                  <a:srgbClr val="FFFFFF"/>
+                </a:solidFill>
+              </a14:hiddenFill>
+            </a:ext>
+          </a:extLst>
+        </p:spPr>
+      </p:pic>
+      <p:pic>
+        <p:nvPicPr>
+          <p:cNvPr id="10" name="Picture 20" descr="Image result for linux">
+            <a:extLst>
+              <a:ext uri="{FF2B5EF4-FFF2-40B4-BE49-F238E27FC236}">
+                <a16:creationId xmlns:a16="http://schemas.microsoft.com/office/drawing/2014/main" id="{841CD6E1-4F2A-4EE9-8A07-53DD51172C4A}"/>
+              </a:ext>
+            </a:extLst>
+          </p:cNvPr>
+          <p:cNvPicPr>
+            <a:picLocks noChangeAspect="1" noChangeArrowheads="1"/>
+          </p:cNvPicPr>
+          <p:nvPr/>
+        </p:nvPicPr>
+        <p:blipFill>
+          <a:blip r:embed="rId4" cstate="print">
+            <a:extLst>
+              <a:ext uri="{28A0092B-C50C-407E-A947-70E740481C1C}">
+                <a14:useLocalDpi xmlns:a14="http://schemas.microsoft.com/office/drawing/2010/main" val="0"/>
+              </a:ext>
+            </a:extLst>
+          </a:blip>
+          <a:srcRect/>
+          <a:stretch>
+            <a:fillRect/>
+          </a:stretch>
+        </p:blipFill>
+        <p:spPr bwMode="auto">
+          <a:xfrm>
+            <a:off x="2736767" y="2783236"/>
+            <a:ext cx="1048679" cy="519148"/>
+          </a:xfrm>
+          <a:prstGeom prst="rect">
+            <a:avLst/>
+          </a:prstGeom>
+          <a:noFill/>
+          <a:extLst>
+            <a:ext uri="{909E8E84-426E-40DD-AFC4-6F175D3DCCD1}">
+              <a14:hiddenFill xmlns:a14="http://schemas.microsoft.com/office/drawing/2010/main">
+                <a:solidFill>
+                  <a:srgbClr val="FFFFFF"/>
+                </a:solidFill>
+              </a14:hiddenFill>
+            </a:ext>
+          </a:extLst>
+        </p:spPr>
+      </p:pic>
+      <p:pic>
+        <p:nvPicPr>
+          <p:cNvPr id="11" name="Picture 22" descr="Image result for python">
+            <a:extLst>
+              <a:ext uri="{FF2B5EF4-FFF2-40B4-BE49-F238E27FC236}">
+                <a16:creationId xmlns:a16="http://schemas.microsoft.com/office/drawing/2014/main" id="{57ED808F-50B7-49F2-81A6-385137A62840}"/>
+              </a:ext>
+            </a:extLst>
+          </p:cNvPr>
+          <p:cNvPicPr>
+            <a:picLocks noChangeAspect="1" noChangeArrowheads="1"/>
+          </p:cNvPicPr>
+          <p:nvPr/>
+        </p:nvPicPr>
+        <p:blipFill>
+          <a:blip r:embed="rId5" cstate="print">
+            <a:extLst>
+              <a:ext uri="{28A0092B-C50C-407E-A947-70E740481C1C}">
+                <a14:useLocalDpi xmlns:a14="http://schemas.microsoft.com/office/drawing/2010/main" val="0"/>
+              </a:ext>
+            </a:extLst>
+          </a:blip>
+          <a:srcRect/>
+          <a:stretch>
+            <a:fillRect/>
+          </a:stretch>
+        </p:blipFill>
+        <p:spPr bwMode="auto">
+          <a:xfrm>
+            <a:off x="6026856" y="2783235"/>
+            <a:ext cx="924284" cy="623892"/>
+          </a:xfrm>
+          <a:prstGeom prst="rect">
+            <a:avLst/>
+          </a:prstGeom>
+          <a:noFill/>
+          <a:extLst>
+            <a:ext uri="{909E8E84-426E-40DD-AFC4-6F175D3DCCD1}">
+              <a14:hiddenFill xmlns:a14="http://schemas.microsoft.com/office/drawing/2010/main">
+                <a:solidFill>
+                  <a:srgbClr val="FFFFFF"/>
+                </a:solidFill>
+              </a14:hiddenFill>
+            </a:ext>
+          </a:extLst>
+        </p:spPr>
+      </p:pic>
+      <p:pic>
+        <p:nvPicPr>
+          <p:cNvPr id="12" name="Picture 24" descr="Image result for r programming">
+            <a:extLst>
+              <a:ext uri="{FF2B5EF4-FFF2-40B4-BE49-F238E27FC236}">
+                <a16:creationId xmlns:a16="http://schemas.microsoft.com/office/drawing/2014/main" id="{2F135744-42FF-4BDB-8D0A-236C2AFB983B}"/>
+              </a:ext>
+            </a:extLst>
+          </p:cNvPr>
+          <p:cNvPicPr>
+            <a:picLocks noChangeAspect="1" noChangeArrowheads="1"/>
+          </p:cNvPicPr>
+          <p:nvPr/>
+        </p:nvPicPr>
+        <p:blipFill>
+          <a:blip r:embed="rId6" cstate="print">
+            <a:extLst>
+              <a:ext uri="{28A0092B-C50C-407E-A947-70E740481C1C}">
+                <a14:useLocalDpi xmlns:a14="http://schemas.microsoft.com/office/drawing/2010/main" val="0"/>
+              </a:ext>
+            </a:extLst>
+          </a:blip>
+          <a:srcRect/>
+          <a:stretch>
+            <a:fillRect/>
+          </a:stretch>
+        </p:blipFill>
+        <p:spPr bwMode="auto">
+          <a:xfrm>
+            <a:off x="7585664" y="2783235"/>
+            <a:ext cx="822404" cy="623892"/>
+          </a:xfrm>
+          <a:prstGeom prst="rect">
+            <a:avLst/>
+          </a:prstGeom>
+          <a:noFill/>
+          <a:extLst>
+            <a:ext uri="{909E8E84-426E-40DD-AFC4-6F175D3DCCD1}">
+              <a14:hiddenFill xmlns:a14="http://schemas.microsoft.com/office/drawing/2010/main">
+                <a:solidFill>
+                  <a:srgbClr val="FFFFFF"/>
+                </a:solidFill>
+              </a14:hiddenFill>
+            </a:ext>
+          </a:extLst>
+        </p:spPr>
+      </p:pic>
+      <p:sp>
+        <p:nvSpPr>
+          <p:cNvPr id="13" name="TextBox 12">
+            <a:extLst>
+              <a:ext uri="{FF2B5EF4-FFF2-40B4-BE49-F238E27FC236}">
+                <a16:creationId xmlns:a16="http://schemas.microsoft.com/office/drawing/2014/main" id="{C04EDE5B-5487-4031-950B-B415F29DB7F2}"/>
+              </a:ext>
+            </a:extLst>
+          </p:cNvPr>
+          <p:cNvSpPr txBox="1"/>
+          <p:nvPr/>
+        </p:nvSpPr>
+        <p:spPr>
+          <a:xfrm>
+            <a:off x="506167" y="1081233"/>
+            <a:ext cx="2449260" cy="307777"/>
+          </a:xfrm>
+          <a:prstGeom prst="rect">
+            <a:avLst/>
+          </a:prstGeom>
+          <a:noFill/>
+        </p:spPr>
+        <p:txBody>
+          <a:bodyPr wrap="square" rtlCol="0">
+            <a:spAutoFit/>
+          </a:bodyPr>
+          <a:lstStyle/>
+          <a:p>
+            <a:r>
+              <a:rPr lang="en-US" sz="1400" b="1" dirty="0">
+                <a:solidFill>
+                  <a:srgbClr val="0070C0"/>
+                </a:solidFill>
+              </a:rPr>
+              <a:t>Professional Experience</a:t>
+            </a:r>
+          </a:p>
+        </p:txBody>
+      </p:sp>
+      <p:pic>
+        <p:nvPicPr>
+          <p:cNvPr id="14" name="Picture 26" descr="Image result for muma college of business">
+            <a:extLst>
+              <a:ext uri="{FF2B5EF4-FFF2-40B4-BE49-F238E27FC236}">
+                <a16:creationId xmlns:a16="http://schemas.microsoft.com/office/drawing/2014/main" id="{F4A7774D-EC70-4C0A-8E35-8649B47E0E45}"/>
+              </a:ext>
+            </a:extLst>
+          </p:cNvPr>
+          <p:cNvPicPr>
+            <a:picLocks noChangeAspect="1" noChangeArrowheads="1"/>
+          </p:cNvPicPr>
+          <p:nvPr/>
+        </p:nvPicPr>
+        <p:blipFill>
+          <a:blip r:embed="rId7" cstate="print">
+            <a:extLst>
+              <a:ext uri="{28A0092B-C50C-407E-A947-70E740481C1C}">
+                <a14:useLocalDpi xmlns:a14="http://schemas.microsoft.com/office/drawing/2010/main" val="0"/>
+              </a:ext>
+            </a:extLst>
+          </a:blip>
+          <a:srcRect/>
+          <a:stretch>
+            <a:fillRect/>
+          </a:stretch>
+        </p:blipFill>
+        <p:spPr bwMode="auto">
+          <a:xfrm>
+            <a:off x="7256438" y="1717056"/>
+            <a:ext cx="1649251" cy="421684"/>
+          </a:xfrm>
+          <a:prstGeom prst="rect">
+            <a:avLst/>
+          </a:prstGeom>
+          <a:noFill/>
+          <a:extLst>
+            <a:ext uri="{909E8E84-426E-40DD-AFC4-6F175D3DCCD1}">
+              <a14:hiddenFill xmlns:a14="http://schemas.microsoft.com/office/drawing/2010/main">
+                <a:solidFill>
+                  <a:srgbClr val="FFFFFF"/>
+                </a:solidFill>
+              </a14:hiddenFill>
+            </a:ext>
+          </a:extLst>
+        </p:spPr>
+      </p:pic>
+      <p:sp>
+        <p:nvSpPr>
+          <p:cNvPr id="15" name="TextBox 14">
+            <a:extLst>
+              <a:ext uri="{FF2B5EF4-FFF2-40B4-BE49-F238E27FC236}">
+                <a16:creationId xmlns:a16="http://schemas.microsoft.com/office/drawing/2014/main" id="{C8F4BCAD-2760-481A-8D29-C71FDA042FBB}"/>
+              </a:ext>
+            </a:extLst>
+          </p:cNvPr>
+          <p:cNvSpPr txBox="1"/>
+          <p:nvPr/>
+        </p:nvSpPr>
+        <p:spPr>
+          <a:xfrm>
+            <a:off x="603994" y="2363595"/>
+            <a:ext cx="1411861" cy="307777"/>
+          </a:xfrm>
+          <a:prstGeom prst="rect">
+            <a:avLst/>
+          </a:prstGeom>
+          <a:noFill/>
+        </p:spPr>
+        <p:txBody>
+          <a:bodyPr wrap="square" rtlCol="0">
+            <a:spAutoFit/>
+          </a:bodyPr>
+          <a:lstStyle/>
+          <a:p>
+            <a:r>
+              <a:rPr lang="en-US" sz="1400" b="1" dirty="0">
+                <a:solidFill>
+                  <a:srgbClr val="0070C0"/>
+                </a:solidFill>
+              </a:rPr>
+              <a:t>Technologies</a:t>
+            </a:r>
+          </a:p>
+        </p:txBody>
+      </p:sp>
+      <p:sp>
+        <p:nvSpPr>
+          <p:cNvPr id="16" name="TextBox 15">
+            <a:extLst>
+              <a:ext uri="{FF2B5EF4-FFF2-40B4-BE49-F238E27FC236}">
+                <a16:creationId xmlns:a16="http://schemas.microsoft.com/office/drawing/2014/main" id="{81A8DFC4-8CC1-4CF9-B682-A0ABCAD09983}"/>
+              </a:ext>
+            </a:extLst>
+          </p:cNvPr>
+          <p:cNvSpPr txBox="1"/>
+          <p:nvPr/>
+        </p:nvSpPr>
+        <p:spPr>
+          <a:xfrm>
+            <a:off x="755081" y="3677574"/>
+            <a:ext cx="1588384" cy="307777"/>
+          </a:xfrm>
+          <a:prstGeom prst="rect">
+            <a:avLst/>
+          </a:prstGeom>
+          <a:noFill/>
+        </p:spPr>
+        <p:txBody>
+          <a:bodyPr wrap="none" rtlCol="0">
+            <a:spAutoFit/>
+          </a:bodyPr>
+          <a:lstStyle/>
+          <a:p>
+            <a:r>
+              <a:rPr lang="en-US" sz="1400" b="1" dirty="0">
+                <a:solidFill>
+                  <a:srgbClr val="0070C0"/>
+                </a:solidFill>
+              </a:rPr>
+              <a:t>Teaching @ USF</a:t>
+            </a:r>
+          </a:p>
+        </p:txBody>
+      </p:sp>
+      <p:sp>
+        <p:nvSpPr>
+          <p:cNvPr id="17" name="TextBox 16">
+            <a:extLst>
+              <a:ext uri="{FF2B5EF4-FFF2-40B4-BE49-F238E27FC236}">
+                <a16:creationId xmlns:a16="http://schemas.microsoft.com/office/drawing/2014/main" id="{1840D67C-096F-4705-B1AC-F4C91CAC91B2}"/>
+              </a:ext>
+            </a:extLst>
+          </p:cNvPr>
+          <p:cNvSpPr txBox="1"/>
+          <p:nvPr/>
+        </p:nvSpPr>
+        <p:spPr>
+          <a:xfrm>
+            <a:off x="506167" y="4016995"/>
+            <a:ext cx="6206892" cy="1815882"/>
+          </a:xfrm>
+          <a:prstGeom prst="rect">
+            <a:avLst/>
+          </a:prstGeom>
+          <a:noFill/>
+        </p:spPr>
+        <p:txBody>
+          <a:bodyPr wrap="none" rtlCol="0">
+            <a:spAutoFit/>
+          </a:bodyPr>
+          <a:lstStyle/>
+          <a:p>
+            <a:pPr algn="l"/>
+            <a:r>
+              <a:rPr lang="en-US" sz="1400" b="1" dirty="0"/>
+              <a:t>Sprint 2017 </a:t>
+            </a:r>
+          </a:p>
+          <a:p>
+            <a:pPr algn="l"/>
+            <a:r>
+              <a:rPr lang="en-US" sz="1400" dirty="0"/>
+              <a:t>ISM 4930: Applied Data Science (Cloud computing and Real-time Business)</a:t>
+            </a:r>
+          </a:p>
+          <a:p>
+            <a:pPr algn="l"/>
+            <a:r>
+              <a:rPr lang="en-US" sz="1400" dirty="0"/>
+              <a:t>1</a:t>
+            </a:r>
+            <a:r>
+              <a:rPr lang="en-US" sz="1400" baseline="30000" dirty="0"/>
+              <a:t>st</a:t>
+            </a:r>
+            <a:r>
+              <a:rPr lang="en-US" sz="1400" dirty="0"/>
+              <a:t> R Bootcamp [January 27, 2017]</a:t>
+            </a:r>
+          </a:p>
+          <a:p>
+            <a:pPr algn="l"/>
+            <a:r>
+              <a:rPr lang="en-US" sz="1400" dirty="0"/>
+              <a:t>2</a:t>
+            </a:r>
+            <a:r>
+              <a:rPr lang="en-US" sz="1400" baseline="30000" dirty="0"/>
+              <a:t>nd</a:t>
+            </a:r>
+            <a:r>
+              <a:rPr lang="en-US" sz="1400" dirty="0"/>
+              <a:t> R Bootcamp [February 17, 2017]</a:t>
+            </a:r>
+          </a:p>
+          <a:p>
+            <a:pPr algn="l"/>
+            <a:endParaRPr lang="en-US" sz="1400" dirty="0"/>
+          </a:p>
+          <a:p>
+            <a:pPr algn="l"/>
+            <a:r>
+              <a:rPr lang="en-US" sz="1400" b="1" dirty="0"/>
+              <a:t>Fall 2017</a:t>
+            </a:r>
+          </a:p>
+          <a:p>
+            <a:pPr algn="l"/>
+            <a:r>
+              <a:rPr lang="en-US" sz="1400" dirty="0"/>
+              <a:t>ISM 3113: System Analysis Design</a:t>
+            </a:r>
+          </a:p>
+          <a:p>
+            <a:pPr algn="l"/>
+            <a:r>
+              <a:rPr lang="en-US" sz="1400" dirty="0"/>
+              <a:t>3</a:t>
+            </a:r>
+            <a:r>
+              <a:rPr lang="en-US" sz="1400" baseline="30000" dirty="0"/>
+              <a:t>rd</a:t>
+            </a:r>
+            <a:r>
+              <a:rPr lang="en-US" sz="1400" dirty="0"/>
+              <a:t> R Bootcamp [August 18, 2017]</a:t>
+            </a:r>
+          </a:p>
+        </p:txBody>
+      </p:sp>
+      <p:sp>
+        <p:nvSpPr>
+          <p:cNvPr id="18" name="Title 17">
+            <a:extLst>
+              <a:ext uri="{FF2B5EF4-FFF2-40B4-BE49-F238E27FC236}">
+                <a16:creationId xmlns:a16="http://schemas.microsoft.com/office/drawing/2014/main" id="{6020A459-FBE4-455E-98E8-0E1A7923E7EE}"/>
+              </a:ext>
+            </a:extLst>
+          </p:cNvPr>
+          <p:cNvSpPr>
+            <a:spLocks noGrp="1"/>
+          </p:cNvSpPr>
+          <p:nvPr>
+            <p:ph type="title"/>
+          </p:nvPr>
+        </p:nvSpPr>
+        <p:spPr/>
+        <p:txBody>
+          <a:bodyPr/>
+          <a:lstStyle/>
+          <a:p>
+            <a:r>
+              <a:rPr lang="en-US" dirty="0"/>
+              <a:t>About Me !!</a:t>
+            </a:r>
+          </a:p>
+        </p:txBody>
+      </p:sp>
+      <p:pic>
+        <p:nvPicPr>
+          <p:cNvPr id="1026" name="Picture 2" descr="Image result for alcatel lucent">
+            <a:extLst>
+              <a:ext uri="{FF2B5EF4-FFF2-40B4-BE49-F238E27FC236}">
+                <a16:creationId xmlns:a16="http://schemas.microsoft.com/office/drawing/2014/main" id="{493257B4-676A-411E-AAAB-7CE1644CAC17}"/>
+              </a:ext>
+            </a:extLst>
+          </p:cNvPr>
+          <p:cNvPicPr>
+            <a:picLocks noChangeAspect="1" noChangeArrowheads="1"/>
+          </p:cNvPicPr>
+          <p:nvPr/>
+        </p:nvPicPr>
+        <p:blipFill>
+          <a:blip r:embed="rId8" cstate="print">
+            <a:extLst>
+              <a:ext uri="{28A0092B-C50C-407E-A947-70E740481C1C}">
+                <a14:useLocalDpi xmlns:a14="http://schemas.microsoft.com/office/drawing/2010/main" val="0"/>
+              </a:ext>
+            </a:extLst>
+          </a:blip>
+          <a:srcRect/>
+          <a:stretch>
+            <a:fillRect/>
+          </a:stretch>
+        </p:blipFill>
+        <p:spPr bwMode="auto">
+          <a:xfrm>
+            <a:off x="1047745" y="1549050"/>
+            <a:ext cx="968110" cy="726083"/>
+          </a:xfrm>
+          <a:prstGeom prst="rect">
+            <a:avLst/>
+          </a:prstGeom>
+          <a:noFill/>
+          <a:extLst>
+            <a:ext uri="{909E8E84-426E-40DD-AFC4-6F175D3DCCD1}">
+              <a14:hiddenFill xmlns:a14="http://schemas.microsoft.com/office/drawing/2010/main">
+                <a:solidFill>
+                  <a:srgbClr val="FFFFFF"/>
+                </a:solidFill>
+              </a14:hiddenFill>
+            </a:ext>
+          </a:extLst>
+        </p:spPr>
+      </p:pic>
+      <p:pic>
+        <p:nvPicPr>
+          <p:cNvPr id="1028" name="Picture 4" descr="Image result for singtel">
+            <a:extLst>
+              <a:ext uri="{FF2B5EF4-FFF2-40B4-BE49-F238E27FC236}">
+                <a16:creationId xmlns:a16="http://schemas.microsoft.com/office/drawing/2014/main" id="{6D9D2AE6-2B4D-42F8-9AFA-173ECF17086D}"/>
+              </a:ext>
+            </a:extLst>
+          </p:cNvPr>
+          <p:cNvPicPr>
+            <a:picLocks noChangeAspect="1" noChangeArrowheads="1"/>
+          </p:cNvPicPr>
+          <p:nvPr/>
+        </p:nvPicPr>
+        <p:blipFill>
+          <a:blip r:embed="rId9" cstate="print">
+            <a:extLst>
+              <a:ext uri="{28A0092B-C50C-407E-A947-70E740481C1C}">
+                <a14:useLocalDpi xmlns:a14="http://schemas.microsoft.com/office/drawing/2010/main" val="0"/>
+              </a:ext>
+            </a:extLst>
+          </a:blip>
+          <a:srcRect/>
+          <a:stretch>
+            <a:fillRect/>
+          </a:stretch>
+        </p:blipFill>
+        <p:spPr bwMode="auto">
+          <a:xfrm>
+            <a:off x="2866535" y="1681083"/>
+            <a:ext cx="1135816" cy="624699"/>
+          </a:xfrm>
+          <a:prstGeom prst="rect">
+            <a:avLst/>
+          </a:prstGeom>
+          <a:noFill/>
+          <a:extLst>
+            <a:ext uri="{909E8E84-426E-40DD-AFC4-6F175D3DCCD1}">
+              <a14:hiddenFill xmlns:a14="http://schemas.microsoft.com/office/drawing/2010/main">
+                <a:solidFill>
+                  <a:srgbClr val="FFFFFF"/>
+                </a:solidFill>
+              </a14:hiddenFill>
+            </a:ext>
+          </a:extLst>
+        </p:spPr>
+      </p:pic>
+      <p:pic>
+        <p:nvPicPr>
+          <p:cNvPr id="1032" name="Picture 8" descr="Image result for nus school of computing">
+            <a:extLst>
+              <a:ext uri="{FF2B5EF4-FFF2-40B4-BE49-F238E27FC236}">
+                <a16:creationId xmlns:a16="http://schemas.microsoft.com/office/drawing/2014/main" id="{039A2473-7317-4AF6-8A78-3143FE35B5FB}"/>
+              </a:ext>
+            </a:extLst>
+          </p:cNvPr>
+          <p:cNvPicPr>
+            <a:picLocks noChangeAspect="1" noChangeArrowheads="1"/>
+          </p:cNvPicPr>
+          <p:nvPr/>
+        </p:nvPicPr>
+        <p:blipFill>
+          <a:blip r:embed="rId10" cstate="print">
+            <a:extLst>
+              <a:ext uri="{28A0092B-C50C-407E-A947-70E740481C1C}">
+                <a14:useLocalDpi xmlns:a14="http://schemas.microsoft.com/office/drawing/2010/main" val="0"/>
+              </a:ext>
+            </a:extLst>
+          </a:blip>
+          <a:srcRect/>
+          <a:stretch>
+            <a:fillRect/>
+          </a:stretch>
+        </p:blipFill>
+        <p:spPr bwMode="auto">
+          <a:xfrm>
+            <a:off x="4963466" y="1681083"/>
+            <a:ext cx="1501124" cy="556299"/>
+          </a:xfrm>
+          <a:prstGeom prst="rect">
+            <a:avLst/>
+          </a:prstGeom>
+          <a:noFill/>
+          <a:extLst>
+            <a:ext uri="{909E8E84-426E-40DD-AFC4-6F175D3DCCD1}">
+              <a14:hiddenFill xmlns:a14="http://schemas.microsoft.com/office/drawing/2010/main">
+                <a:solidFill>
+                  <a:srgbClr val="FFFFFF"/>
+                </a:solidFill>
+              </a14:hiddenFill>
+            </a:ext>
+          </a:extLst>
+        </p:spPr>
+      </p:pic>
+      <p:pic>
+        <p:nvPicPr>
+          <p:cNvPr id="1034" name="Picture 10" descr="vivek singh">
+            <a:extLst>
+              <a:ext uri="{FF2B5EF4-FFF2-40B4-BE49-F238E27FC236}">
+                <a16:creationId xmlns:a16="http://schemas.microsoft.com/office/drawing/2014/main" id="{F0BBAF35-4BFC-4332-A86A-47DB25C733FB}"/>
+              </a:ext>
+            </a:extLst>
+          </p:cNvPr>
+          <p:cNvPicPr>
+            <a:picLocks noChangeAspect="1" noChangeArrowheads="1"/>
+          </p:cNvPicPr>
+          <p:nvPr/>
+        </p:nvPicPr>
+        <p:blipFill>
+          <a:blip r:embed="rId11">
+            <a:extLst>
+              <a:ext uri="{28A0092B-C50C-407E-A947-70E740481C1C}">
+                <a14:useLocalDpi xmlns:a14="http://schemas.microsoft.com/office/drawing/2010/main" val="0"/>
+              </a:ext>
+            </a:extLst>
+          </a:blip>
+          <a:srcRect/>
+          <a:stretch>
+            <a:fillRect/>
+          </a:stretch>
+        </p:blipFill>
+        <p:spPr bwMode="auto">
+          <a:xfrm>
+            <a:off x="7590532" y="9573"/>
+            <a:ext cx="1539478" cy="1539478"/>
+          </a:xfrm>
+          <a:prstGeom prst="rect">
+            <a:avLst/>
+          </a:prstGeom>
+          <a:noFill/>
+          <a:extLst>
+            <a:ext uri="{909E8E84-426E-40DD-AFC4-6F175D3DCCD1}">
+              <a14:hiddenFill xmlns:a14="http://schemas.microsoft.com/office/drawing/2010/main">
+                <a:solidFill>
+                  <a:srgbClr val="FFFFFF"/>
+                </a:solidFill>
+              </a14:hiddenFill>
+            </a:ext>
+          </a:extLst>
+        </p:spPr>
+      </p:pic>
+    </p:spTree>
+    <p:extLst>
+      <p:ext uri="{BB962C8B-B14F-4D97-AF65-F5344CB8AC3E}">
+        <p14:creationId xmlns:p14="http://schemas.microsoft.com/office/powerpoint/2010/main" val="2510386260"/>
+      </p:ext>
+    </p:extLst>
+  </p:cSld>
+  <p:clrMapOvr>
+    <a:masterClrMapping/>
+  </p:clrMapOvr>
+  <p:transition>
+    <p:fade/>
+  </p:transition>
+</p:sld>
+</file>
+
+<file path=ppt/slides/slide3.xml><?xml version="1.0" encoding="utf-8"?>
+<p:sld xmlns:a="http://schemas.openxmlformats.org/drawingml/2006/main" xmlns:r="http://schemas.openxmlformats.org/officeDocument/2006/relationships" xmlns:p="http://schemas.openxmlformats.org/presentationml/2006/main">
+  <p:cSld>
+    <p:spTree>
+      <p:nvGrpSpPr>
+        <p:cNvPr id="1" name=""/>
+        <p:cNvGrpSpPr/>
+        <p:nvPr/>
+      </p:nvGrpSpPr>
+      <p:grpSpPr>
+        <a:xfrm>
+          <a:off x="0" y="0"/>
+          <a:ext cx="0" cy="0"/>
+          <a:chOff x="0" y="0"/>
+          <a:chExt cx="0" cy="0"/>
+        </a:xfrm>
+      </p:grpSpPr>
       <p:graphicFrame>
         <p:nvGraphicFramePr>
           <p:cNvPr id="4" name="Diagram 3">
@@ -11858,13 +12518,13 @@
           <p:nvPr>
             <p:extLst>
               <p:ext uri="{D42A27DB-BD31-4B8C-83A1-F6EECF244321}">
-                <p14:modId xmlns:p14="http://schemas.microsoft.com/office/powerpoint/2010/main" val="3391499937"/>
+                <p14:modId xmlns:p14="http://schemas.microsoft.com/office/powerpoint/2010/main" val="1849008261"/>
               </p:ext>
             </p:extLst>
           </p:nvPr>
         </p:nvGraphicFramePr>
         <p:xfrm>
-          <a:off x="2036952" y="1397001"/>
+          <a:off x="2036952" y="1084773"/>
           <a:ext cx="6096000" cy="1549547"/>
         </p:xfrm>
         <a:graphic>
@@ -11886,13 +12546,13 @@
           <p:nvPr>
             <p:extLst>
               <p:ext uri="{D42A27DB-BD31-4B8C-83A1-F6EECF244321}">
-                <p14:modId xmlns:p14="http://schemas.microsoft.com/office/powerpoint/2010/main" val="2788201294"/>
+                <p14:modId xmlns:p14="http://schemas.microsoft.com/office/powerpoint/2010/main" val="584548987"/>
               </p:ext>
             </p:extLst>
           </p:nvPr>
         </p:nvGraphicFramePr>
         <p:xfrm>
-          <a:off x="2068406" y="2692771"/>
+          <a:off x="2068406" y="2380543"/>
           <a:ext cx="6096000" cy="1549547"/>
         </p:xfrm>
         <a:graphic>
@@ -11915,7 +12575,7 @@
         </p:nvSpPr>
         <p:spPr>
           <a:xfrm>
-            <a:off x="2068407" y="4137542"/>
+            <a:off x="2068407" y="3825314"/>
             <a:ext cx="6033091" cy="420851"/>
           </a:xfrm>
           <a:prstGeom prst="roundRect">
@@ -11963,13 +12623,13 @@
           <p:nvPr>
             <p:extLst>
               <p:ext uri="{D42A27DB-BD31-4B8C-83A1-F6EECF244321}">
-                <p14:modId xmlns:p14="http://schemas.microsoft.com/office/powerpoint/2010/main" val="3679870929"/>
+                <p14:modId xmlns:p14="http://schemas.microsoft.com/office/powerpoint/2010/main" val="1152065166"/>
               </p:ext>
             </p:extLst>
           </p:nvPr>
         </p:nvGraphicFramePr>
         <p:xfrm>
-          <a:off x="2068406" y="4720931"/>
+          <a:off x="2068406" y="4408703"/>
           <a:ext cx="6096000" cy="1028457"/>
         </p:xfrm>
         <a:graphic>
@@ -11992,7 +12652,7 @@
         </p:nvSpPr>
         <p:spPr>
           <a:xfrm>
-            <a:off x="672972" y="1783080"/>
+            <a:off x="672972" y="1470852"/>
             <a:ext cx="1192530" cy="582930"/>
           </a:xfrm>
           <a:prstGeom prst="roundRect">
@@ -12039,7 +12699,7 @@
         </p:nvSpPr>
         <p:spPr>
           <a:xfrm>
-            <a:off x="672972" y="3176078"/>
+            <a:off x="672972" y="2863850"/>
             <a:ext cx="1192530" cy="582930"/>
           </a:xfrm>
           <a:prstGeom prst="roundRect">
@@ -12086,7 +12746,7 @@
         </p:nvSpPr>
         <p:spPr>
           <a:xfrm>
-            <a:off x="672972" y="4857750"/>
+            <a:off x="672972" y="4545522"/>
             <a:ext cx="1192530" cy="582930"/>
           </a:xfrm>
           <a:prstGeom prst="roundRect">
@@ -12854,7 +13514,7 @@
 </p:sld>
 </file>
 
-<file path=ppt/slides/slide3.xml><?xml version="1.0" encoding="utf-8"?>
+<file path=ppt/slides/slide4.xml><?xml version="1.0" encoding="utf-8"?>
 <p:sld xmlns:a="http://schemas.openxmlformats.org/drawingml/2006/main" xmlns:r="http://schemas.openxmlformats.org/officeDocument/2006/relationships" xmlns:p="http://schemas.openxmlformats.org/presentationml/2006/main">
   <p:cSld>
     <p:spTree>
@@ -12911,8 +13571,8 @@
         </p:blipFill>
         <p:spPr>
           <a:xfrm>
-            <a:off x="455699" y="1569976"/>
-            <a:ext cx="5919525" cy="3358864"/>
+            <a:off x="900773" y="1106443"/>
+            <a:ext cx="7357686" cy="4174907"/>
           </a:xfrm>
           <a:prstGeom prst="rect">
             <a:avLst/>
@@ -12927,14 +13587,31 @@
         </p:nvSpPr>
         <p:spPr>
           <a:xfrm>
-            <a:off x="6824552" y="3318735"/>
+            <a:off x="5988211" y="3363340"/>
             <a:ext cx="2175597" cy="507831"/>
           </a:xfrm>
           <a:prstGeom prst="rect">
             <a:avLst/>
           </a:prstGeom>
           <a:noFill/>
+          <a:ln>
+            <a:prstDash val="dash"/>
+          </a:ln>
         </p:spPr>
+        <p:style>
+          <a:lnRef idx="2">
+            <a:schemeClr val="accent2"/>
+          </a:lnRef>
+          <a:fillRef idx="1">
+            <a:schemeClr val="lt1"/>
+          </a:fillRef>
+          <a:effectRef idx="0">
+            <a:schemeClr val="accent2"/>
+          </a:effectRef>
+          <a:fontRef idx="minor">
+            <a:schemeClr val="dk1"/>
+          </a:fontRef>
+        </p:style>
         <p:txBody>
           <a:bodyPr wrap="none" rtlCol="0">
             <a:spAutoFit/>
@@ -12942,7 +13619,14 @@
           <a:lstStyle/>
           <a:p>
             <a:r>
-              <a:rPr lang="en-US" sz="2700" dirty="0"/>
+              <a:rPr lang="en-US" sz="2700" dirty="0">
+                <a:solidFill>
+                  <a:schemeClr val="accent6">
+                    <a:lumMod val="60000"/>
+                    <a:lumOff val="40000"/>
+                  </a:schemeClr>
+                </a:solidFill>
+              </a:rPr>
               <a:t>~ 8000 Jobs </a:t>
             </a:r>
           </a:p>
@@ -12961,10 +13645,142 @@
   <p:transition>
     <p:fade/>
   </p:transition>
+  <p:timing>
+    <p:tnLst>
+      <p:par>
+        <p:cTn id="1" dur="indefinite" restart="never" nodeType="tmRoot">
+          <p:childTnLst>
+            <p:seq concurrent="1" nextAc="seek">
+              <p:cTn id="2" dur="indefinite" nodeType="mainSeq">
+                <p:childTnLst>
+                  <p:par>
+                    <p:cTn id="3" fill="hold">
+                      <p:stCondLst>
+                        <p:cond delay="indefinite"/>
+                      </p:stCondLst>
+                      <p:childTnLst>
+                        <p:par>
+                          <p:cTn id="4" fill="hold">
+                            <p:stCondLst>
+                              <p:cond delay="0"/>
+                            </p:stCondLst>
+                            <p:childTnLst>
+                              <p:par>
+                                <p:cTn id="5" presetID="42" presetClass="entr" presetSubtype="0" fill="hold" grpId="0" nodeType="clickEffect">
+                                  <p:stCondLst>
+                                    <p:cond delay="0"/>
+                                  </p:stCondLst>
+                                  <p:childTnLst>
+                                    <p:set>
+                                      <p:cBhvr>
+                                        <p:cTn id="6" dur="1" fill="hold">
+                                          <p:stCondLst>
+                                            <p:cond delay="0"/>
+                                          </p:stCondLst>
+                                        </p:cTn>
+                                        <p:tgtEl>
+                                          <p:spTgt spid="5"/>
+                                        </p:tgtEl>
+                                        <p:attrNameLst>
+                                          <p:attrName>style.visibility</p:attrName>
+                                        </p:attrNameLst>
+                                      </p:cBhvr>
+                                      <p:to>
+                                        <p:strVal val="visible"/>
+                                      </p:to>
+                                    </p:set>
+                                    <p:animEffect transition="in" filter="fade">
+                                      <p:cBhvr>
+                                        <p:cTn id="7" dur="1000"/>
+                                        <p:tgtEl>
+                                          <p:spTgt spid="5"/>
+                                        </p:tgtEl>
+                                      </p:cBhvr>
+                                    </p:animEffect>
+                                    <p:anim calcmode="lin" valueType="num">
+                                      <p:cBhvr>
+                                        <p:cTn id="8" dur="1000" fill="hold"/>
+                                        <p:tgtEl>
+                                          <p:spTgt spid="5"/>
+                                        </p:tgtEl>
+                                        <p:attrNameLst>
+                                          <p:attrName>ppt_x</p:attrName>
+                                        </p:attrNameLst>
+                                      </p:cBhvr>
+                                      <p:tavLst>
+                                        <p:tav tm="0">
+                                          <p:val>
+                                            <p:strVal val="#ppt_x"/>
+                                          </p:val>
+                                        </p:tav>
+                                        <p:tav tm="100000">
+                                          <p:val>
+                                            <p:strVal val="#ppt_x"/>
+                                          </p:val>
+                                        </p:tav>
+                                      </p:tavLst>
+                                    </p:anim>
+                                    <p:anim calcmode="lin" valueType="num">
+                                      <p:cBhvr>
+                                        <p:cTn id="9" dur="1000" fill="hold"/>
+                                        <p:tgtEl>
+                                          <p:spTgt spid="5"/>
+                                        </p:tgtEl>
+                                        <p:attrNameLst>
+                                          <p:attrName>ppt_y</p:attrName>
+                                        </p:attrNameLst>
+                                      </p:cBhvr>
+                                      <p:tavLst>
+                                        <p:tav tm="0">
+                                          <p:val>
+                                            <p:strVal val="#ppt_y+.1"/>
+                                          </p:val>
+                                        </p:tav>
+                                        <p:tav tm="100000">
+                                          <p:val>
+                                            <p:strVal val="#ppt_y"/>
+                                          </p:val>
+                                        </p:tav>
+                                      </p:tavLst>
+                                    </p:anim>
+                                  </p:childTnLst>
+                                </p:cTn>
+                              </p:par>
+                            </p:childTnLst>
+                          </p:cTn>
+                        </p:par>
+                      </p:childTnLst>
+                    </p:cTn>
+                  </p:par>
+                </p:childTnLst>
+              </p:cTn>
+              <p:prevCondLst>
+                <p:cond evt="onPrev" delay="0">
+                  <p:tgtEl>
+                    <p:sldTgt/>
+                  </p:tgtEl>
+                </p:cond>
+              </p:prevCondLst>
+              <p:nextCondLst>
+                <p:cond evt="onNext" delay="0">
+                  <p:tgtEl>
+                    <p:sldTgt/>
+                  </p:tgtEl>
+                </p:cond>
+              </p:nextCondLst>
+            </p:seq>
+          </p:childTnLst>
+        </p:cTn>
+      </p:par>
+    </p:tnLst>
+    <p:bldLst>
+      <p:bldP spid="5" grpId="0" animBg="1"/>
+    </p:bldLst>
+  </p:timing>
 </p:sld>
 </file>
 
-<file path=ppt/slides/slide4.xml><?xml version="1.0" encoding="utf-8"?>
+<file path=ppt/slides/slide5.xml><?xml version="1.0" encoding="utf-8"?>
 <p:sld xmlns:a="http://schemas.openxmlformats.org/drawingml/2006/main" xmlns:r="http://schemas.openxmlformats.org/officeDocument/2006/relationships" xmlns:p="http://schemas.openxmlformats.org/presentationml/2006/main">
   <p:cSld>
     <p:spTree>
@@ -13130,7 +13946,7 @@
 </p:sld>
 </file>
 
-<file path=ppt/slides/slide5.xml><?xml version="1.0" encoding="utf-8"?>
+<file path=ppt/slides/slide6.xml><?xml version="1.0" encoding="utf-8"?>
 <p:sld xmlns:a="http://schemas.openxmlformats.org/drawingml/2006/main" xmlns:r="http://schemas.openxmlformats.org/officeDocument/2006/relationships" xmlns:p="http://schemas.openxmlformats.org/presentationml/2006/main">
   <p:cSld>
     <p:spTree>
@@ -13480,6 +14296,105 @@
                       </p:childTnLst>
                     </p:cTn>
                   </p:par>
+                  <p:par>
+                    <p:cTn id="15" fill="hold">
+                      <p:stCondLst>
+                        <p:cond delay="indefinite"/>
+                      </p:stCondLst>
+                      <p:childTnLst>
+                        <p:par>
+                          <p:cTn id="16" fill="hold">
+                            <p:stCondLst>
+                              <p:cond delay="0"/>
+                            </p:stCondLst>
+                            <p:childTnLst>
+                              <p:par>
+                                <p:cTn id="17" presetID="42" presetClass="entr" presetSubtype="0" fill="hold" grpId="0" nodeType="clickEffect">
+                                  <p:stCondLst>
+                                    <p:cond delay="0"/>
+                                  </p:stCondLst>
+                                  <p:childTnLst>
+                                    <p:set>
+                                      <p:cBhvr>
+                                        <p:cTn id="18" dur="1" fill="hold">
+                                          <p:stCondLst>
+                                            <p:cond delay="0"/>
+                                          </p:stCondLst>
+                                        </p:cTn>
+                                        <p:tgtEl>
+                                          <p:spTgt spid="5"/>
+                                        </p:tgtEl>
+                                        <p:attrNameLst>
+                                          <p:attrName>style.visibility</p:attrName>
+                                        </p:attrNameLst>
+                                      </p:cBhvr>
+                                      <p:to>
+                                        <p:strVal val="visible"/>
+                                      </p:to>
+                                    </p:set>
+                                    <p:animEffect transition="in" filter="fade">
+                                      <p:cBhvr>
+                                        <p:cTn id="19" dur="1000"/>
+                                        <p:tgtEl>
+                                          <p:spTgt spid="5"/>
+                                        </p:tgtEl>
+                                      </p:cBhvr>
+                                    </p:animEffect>
+                                    <p:anim calcmode="lin" valueType="num">
+                                      <p:cBhvr>
+                                        <p:cTn id="20" dur="1000" fill="hold"/>
+                                        <p:tgtEl>
+                                          <p:spTgt spid="5"/>
+                                        </p:tgtEl>
+                                        <p:attrNameLst>
+                                          <p:attrName>ppt_x</p:attrName>
+                                        </p:attrNameLst>
+                                      </p:cBhvr>
+                                      <p:tavLst>
+                                        <p:tav tm="0">
+                                          <p:val>
+                                            <p:strVal val="#ppt_x"/>
+                                          </p:val>
+                                        </p:tav>
+                                        <p:tav tm="100000">
+                                          <p:val>
+                                            <p:strVal val="#ppt_x"/>
+                                          </p:val>
+                                        </p:tav>
+                                      </p:tavLst>
+                                    </p:anim>
+                                    <p:anim calcmode="lin" valueType="num">
+                                      <p:cBhvr>
+                                        <p:cTn id="21" dur="1000" fill="hold"/>
+                                        <p:tgtEl>
+                                          <p:spTgt spid="5"/>
+                                        </p:tgtEl>
+                                        <p:attrNameLst>
+                                          <p:attrName>ppt_y</p:attrName>
+                                        </p:attrNameLst>
+                                      </p:cBhvr>
+                                      <p:tavLst>
+                                        <p:tav tm="0">
+                                          <p:val>
+                                            <p:strVal val="#ppt_y+.1"/>
+                                          </p:val>
+                                        </p:tav>
+                                        <p:tav tm="100000">
+                                          <p:val>
+                                            <p:strVal val="#ppt_y"/>
+                                          </p:val>
+                                        </p:tav>
+                                      </p:tavLst>
+                                    </p:anim>
+                                  </p:childTnLst>
+                                </p:cTn>
+                              </p:par>
+                            </p:childTnLst>
+                          </p:cTn>
+                        </p:par>
+                      </p:childTnLst>
+                    </p:cTn>
+                  </p:par>
                 </p:childTnLst>
               </p:cTn>
               <p:prevCondLst>
@@ -13503,12 +14418,13 @@
     </p:tnLst>
     <p:bldLst>
       <p:bldP spid="3" grpId="0" build="p"/>
+      <p:bldP spid="5" grpId="0"/>
     </p:bldLst>
   </p:timing>
 </p:sld>
 </file>
 
-<file path=ppt/slides/slide6.xml><?xml version="1.0" encoding="utf-8"?>
+<file path=ppt/slides/slide7.xml><?xml version="1.0" encoding="utf-8"?>
 <p:sld xmlns:a="http://schemas.openxmlformats.org/drawingml/2006/main" xmlns:r="http://schemas.openxmlformats.org/officeDocument/2006/relationships" xmlns:p="http://schemas.openxmlformats.org/presentationml/2006/main">
   <p:cSld>
     <p:spTree>
@@ -13646,7 +14562,7 @@
 </p:sld>
 </file>
 
-<file path=ppt/slides/slide7.xml><?xml version="1.0" encoding="utf-8"?>
+<file path=ppt/slides/slide8.xml><?xml version="1.0" encoding="utf-8"?>
 <p:sld xmlns:a="http://schemas.openxmlformats.org/drawingml/2006/main" xmlns:r="http://schemas.openxmlformats.org/officeDocument/2006/relationships" xmlns:p="http://schemas.openxmlformats.org/presentationml/2006/main">
   <p:cSld>
     <p:spTree>

--- a/welcome/Python welcome.pptx
+++ b/welcome/Python welcome.pptx
@@ -2735,6 +2735,13 @@
         </dgm:presLayoutVars>
       </dgm:prSet>
       <dgm:spPr/>
+      <dgm:t>
+        <a:bodyPr/>
+        <a:lstStyle/>
+        <a:p>
+          <a:endParaRPr lang="en-US"/>
+        </a:p>
+      </dgm:t>
     </dgm:pt>
     <dgm:pt modelId="{1BF365EB-C264-4C6E-BA01-E96232B338D9}" type="pres">
       <dgm:prSet presAssocID="{6B409A86-D65B-4B24-AD2D-5E9A37AF4C28}" presName="composite" presStyleCnt="0"/>
@@ -2751,6 +2758,13 @@
         </dgm:presLayoutVars>
       </dgm:prSet>
       <dgm:spPr/>
+      <dgm:t>
+        <a:bodyPr/>
+        <a:lstStyle/>
+        <a:p>
+          <a:endParaRPr lang="en-US"/>
+        </a:p>
+      </dgm:t>
     </dgm:pt>
     <dgm:pt modelId="{6A877AA9-FD19-4A4D-8ED1-16915D4D091E}" type="pres">
       <dgm:prSet presAssocID="{855B4926-B283-4BCE-9852-5405EFF74DB2}" presName="compositeSpace" presStyleCnt="0"/>
@@ -2771,6 +2785,13 @@
         </dgm:presLayoutVars>
       </dgm:prSet>
       <dgm:spPr/>
+      <dgm:t>
+        <a:bodyPr/>
+        <a:lstStyle/>
+        <a:p>
+          <a:endParaRPr lang="en-US"/>
+        </a:p>
+      </dgm:t>
     </dgm:pt>
     <dgm:pt modelId="{55128098-C2BE-49CA-A82C-4B20BD0C679C}" type="pres">
       <dgm:prSet presAssocID="{1884AD72-4240-45F8-8CD3-579F601F07EA}" presName="compositeSpace" presStyleCnt="0"/>
@@ -2791,16 +2812,23 @@
         </dgm:presLayoutVars>
       </dgm:prSet>
       <dgm:spPr/>
+      <dgm:t>
+        <a:bodyPr/>
+        <a:lstStyle/>
+        <a:p>
+          <a:endParaRPr lang="en-US"/>
+        </a:p>
+      </dgm:t>
     </dgm:pt>
   </dgm:ptLst>
   <dgm:cxnLst>
+    <dgm:cxn modelId="{750C469A-3F16-4B84-B7F6-9F65AECEB6CA}" type="presOf" srcId="{501AF595-CDAB-4781-8D72-261990F91909}" destId="{80EA17A7-29E7-445F-A432-5D8A4833BD42}" srcOrd="0" destOrd="0" presId="urn:microsoft.com/office/officeart/2005/8/layout/chevronAccent+Icon"/>
+    <dgm:cxn modelId="{59B6E95F-4644-49D9-9C37-9A631523510B}" srcId="{501AF595-CDAB-4781-8D72-261990F91909}" destId="{134F9BF5-FFB0-46E3-9A9C-A2CAC8FE582F}" srcOrd="2" destOrd="0" parTransId="{56857B38-DD9A-4571-858D-402D0DF2D70D}" sibTransId="{87317A3E-4423-4E9C-8538-E1E924B6039E}"/>
+    <dgm:cxn modelId="{60A9E2C2-A3D2-41EF-9100-4C65F680F7BD}" srcId="{501AF595-CDAB-4781-8D72-261990F91909}" destId="{6B409A86-D65B-4B24-AD2D-5E9A37AF4C28}" srcOrd="0" destOrd="0" parTransId="{F642552C-6FB8-4BBC-A666-B5373240383D}" sibTransId="{855B4926-B283-4BCE-9852-5405EFF74DB2}"/>
+    <dgm:cxn modelId="{48EF537F-6674-4120-9F01-86BA52C6DA07}" type="presOf" srcId="{6B409A86-D65B-4B24-AD2D-5E9A37AF4C28}" destId="{26F97F4A-A8CC-4CDB-B4F3-B135E46B1D0E}" srcOrd="0" destOrd="0" presId="urn:microsoft.com/office/officeart/2005/8/layout/chevronAccent+Icon"/>
     <dgm:cxn modelId="{DE308711-D6CC-482A-983E-4A55C6469ABA}" type="presOf" srcId="{31493473-0B05-47C4-AEA5-EDE16CDDBF02}" destId="{4903C6AB-53DF-4BB4-9561-B90C7AC44781}" srcOrd="0" destOrd="0" presId="urn:microsoft.com/office/officeart/2005/8/layout/chevronAccent+Icon"/>
-    <dgm:cxn modelId="{59B6E95F-4644-49D9-9C37-9A631523510B}" srcId="{501AF595-CDAB-4781-8D72-261990F91909}" destId="{134F9BF5-FFB0-46E3-9A9C-A2CAC8FE582F}" srcOrd="2" destOrd="0" parTransId="{56857B38-DD9A-4571-858D-402D0DF2D70D}" sibTransId="{87317A3E-4423-4E9C-8538-E1E924B6039E}"/>
     <dgm:cxn modelId="{A0A75269-D1BB-42AE-8D70-BA85AF6731A6}" srcId="{501AF595-CDAB-4781-8D72-261990F91909}" destId="{31493473-0B05-47C4-AEA5-EDE16CDDBF02}" srcOrd="1" destOrd="0" parTransId="{2EA938CE-D463-488E-B195-CCD8FC4C6305}" sibTransId="{1884AD72-4240-45F8-8CD3-579F601F07EA}"/>
     <dgm:cxn modelId="{5F035750-F528-4596-83AF-6C5BD7AB84FA}" type="presOf" srcId="{134F9BF5-FFB0-46E3-9A9C-A2CAC8FE582F}" destId="{9C885632-BD4F-4A43-8C52-444C5CC24EEB}" srcOrd="0" destOrd="0" presId="urn:microsoft.com/office/officeart/2005/8/layout/chevronAccent+Icon"/>
-    <dgm:cxn modelId="{48EF537F-6674-4120-9F01-86BA52C6DA07}" type="presOf" srcId="{6B409A86-D65B-4B24-AD2D-5E9A37AF4C28}" destId="{26F97F4A-A8CC-4CDB-B4F3-B135E46B1D0E}" srcOrd="0" destOrd="0" presId="urn:microsoft.com/office/officeart/2005/8/layout/chevronAccent+Icon"/>
-    <dgm:cxn modelId="{750C469A-3F16-4B84-B7F6-9F65AECEB6CA}" type="presOf" srcId="{501AF595-CDAB-4781-8D72-261990F91909}" destId="{80EA17A7-29E7-445F-A432-5D8A4833BD42}" srcOrd="0" destOrd="0" presId="urn:microsoft.com/office/officeart/2005/8/layout/chevronAccent+Icon"/>
-    <dgm:cxn modelId="{60A9E2C2-A3D2-41EF-9100-4C65F680F7BD}" srcId="{501AF595-CDAB-4781-8D72-261990F91909}" destId="{6B409A86-D65B-4B24-AD2D-5E9A37AF4C28}" srcOrd="0" destOrd="0" parTransId="{F642552C-6FB8-4BBC-A666-B5373240383D}" sibTransId="{855B4926-B283-4BCE-9852-5405EFF74DB2}"/>
     <dgm:cxn modelId="{25A0A411-2AB9-4E2C-9393-894852840799}" type="presParOf" srcId="{80EA17A7-29E7-445F-A432-5D8A4833BD42}" destId="{1BF365EB-C264-4C6E-BA01-E96232B338D9}" srcOrd="0" destOrd="0" presId="urn:microsoft.com/office/officeart/2005/8/layout/chevronAccent+Icon"/>
     <dgm:cxn modelId="{7900EB43-9B54-49B2-802F-87ACD47B1502}" type="presParOf" srcId="{1BF365EB-C264-4C6E-BA01-E96232B338D9}" destId="{46FBC381-A773-4771-9622-709E360AE4BA}" srcOrd="0" destOrd="0" presId="urn:microsoft.com/office/officeart/2005/8/layout/chevronAccent+Icon"/>
     <dgm:cxn modelId="{57A4589E-21A1-44CC-9CF6-AF4DCB6D2038}" type="presParOf" srcId="{1BF365EB-C264-4C6E-BA01-E96232B338D9}" destId="{26F97F4A-A8CC-4CDB-B4F3-B135E46B1D0E}" srcOrd="1" destOrd="0" presId="urn:microsoft.com/office/officeart/2005/8/layout/chevronAccent+Icon"/>
@@ -2953,6 +2981,13 @@
         </dgm:presLayoutVars>
       </dgm:prSet>
       <dgm:spPr/>
+      <dgm:t>
+        <a:bodyPr/>
+        <a:lstStyle/>
+        <a:p>
+          <a:endParaRPr lang="en-US"/>
+        </a:p>
+      </dgm:t>
     </dgm:pt>
     <dgm:pt modelId="{1BF365EB-C264-4C6E-BA01-E96232B338D9}" type="pres">
       <dgm:prSet presAssocID="{6B409A86-D65B-4B24-AD2D-5E9A37AF4C28}" presName="composite" presStyleCnt="0"/>
@@ -2969,6 +3004,13 @@
         </dgm:presLayoutVars>
       </dgm:prSet>
       <dgm:spPr/>
+      <dgm:t>
+        <a:bodyPr/>
+        <a:lstStyle/>
+        <a:p>
+          <a:endParaRPr lang="en-US"/>
+        </a:p>
+      </dgm:t>
     </dgm:pt>
     <dgm:pt modelId="{6A877AA9-FD19-4A4D-8ED1-16915D4D091E}" type="pres">
       <dgm:prSet presAssocID="{855B4926-B283-4BCE-9852-5405EFF74DB2}" presName="compositeSpace" presStyleCnt="0"/>
@@ -2989,6 +3031,13 @@
         </dgm:presLayoutVars>
       </dgm:prSet>
       <dgm:spPr/>
+      <dgm:t>
+        <a:bodyPr/>
+        <a:lstStyle/>
+        <a:p>
+          <a:endParaRPr lang="en-US"/>
+        </a:p>
+      </dgm:t>
     </dgm:pt>
     <dgm:pt modelId="{55128098-C2BE-49CA-A82C-4B20BD0C679C}" type="pres">
       <dgm:prSet presAssocID="{1884AD72-4240-45F8-8CD3-579F601F07EA}" presName="compositeSpace" presStyleCnt="0"/>
@@ -3009,16 +3058,23 @@
         </dgm:presLayoutVars>
       </dgm:prSet>
       <dgm:spPr/>
+      <dgm:t>
+        <a:bodyPr/>
+        <a:lstStyle/>
+        <a:p>
+          <a:endParaRPr lang="en-US"/>
+        </a:p>
+      </dgm:t>
     </dgm:pt>
   </dgm:ptLst>
   <dgm:cxnLst>
+    <dgm:cxn modelId="{23330C3C-0C7B-4548-859B-BBF648813902}" type="presOf" srcId="{6B409A86-D65B-4B24-AD2D-5E9A37AF4C28}" destId="{26F97F4A-A8CC-4CDB-B4F3-B135E46B1D0E}" srcOrd="0" destOrd="0" presId="urn:microsoft.com/office/officeart/2005/8/layout/chevronAccent+Icon"/>
     <dgm:cxn modelId="{4D28F531-16FB-4AEA-80D6-85146B676817}" type="presOf" srcId="{31493473-0B05-47C4-AEA5-EDE16CDDBF02}" destId="{4903C6AB-53DF-4BB4-9561-B90C7AC44781}" srcOrd="0" destOrd="0" presId="urn:microsoft.com/office/officeart/2005/8/layout/chevronAccent+Icon"/>
-    <dgm:cxn modelId="{23330C3C-0C7B-4548-859B-BBF648813902}" type="presOf" srcId="{6B409A86-D65B-4B24-AD2D-5E9A37AF4C28}" destId="{26F97F4A-A8CC-4CDB-B4F3-B135E46B1D0E}" srcOrd="0" destOrd="0" presId="urn:microsoft.com/office/officeart/2005/8/layout/chevronAccent+Icon"/>
+    <dgm:cxn modelId="{586F91DE-7787-4888-BDD7-379927A1E1D4}" type="presOf" srcId="{501AF595-CDAB-4781-8D72-261990F91909}" destId="{21326746-704D-4398-A34E-2230989F87D3}" srcOrd="0" destOrd="0" presId="urn:microsoft.com/office/officeart/2005/8/layout/chevronAccent+Icon"/>
+    <dgm:cxn modelId="{A0A75269-D1BB-42AE-8D70-BA85AF6731A6}" srcId="{501AF595-CDAB-4781-8D72-261990F91909}" destId="{31493473-0B05-47C4-AEA5-EDE16CDDBF02}" srcOrd="1" destOrd="0" parTransId="{2EA938CE-D463-488E-B195-CCD8FC4C6305}" sibTransId="{1884AD72-4240-45F8-8CD3-579F601F07EA}"/>
+    <dgm:cxn modelId="{59B6E95F-4644-49D9-9C37-9A631523510B}" srcId="{501AF595-CDAB-4781-8D72-261990F91909}" destId="{134F9BF5-FFB0-46E3-9A9C-A2CAC8FE582F}" srcOrd="2" destOrd="0" parTransId="{56857B38-DD9A-4571-858D-402D0DF2D70D}" sibTransId="{87317A3E-4423-4E9C-8538-E1E924B6039E}"/>
     <dgm:cxn modelId="{509E343E-F64B-4D87-B84B-718EB8CC5F5D}" type="presOf" srcId="{134F9BF5-FFB0-46E3-9A9C-A2CAC8FE582F}" destId="{9C885632-BD4F-4A43-8C52-444C5CC24EEB}" srcOrd="0" destOrd="0" presId="urn:microsoft.com/office/officeart/2005/8/layout/chevronAccent+Icon"/>
-    <dgm:cxn modelId="{59B6E95F-4644-49D9-9C37-9A631523510B}" srcId="{501AF595-CDAB-4781-8D72-261990F91909}" destId="{134F9BF5-FFB0-46E3-9A9C-A2CAC8FE582F}" srcOrd="2" destOrd="0" parTransId="{56857B38-DD9A-4571-858D-402D0DF2D70D}" sibTransId="{87317A3E-4423-4E9C-8538-E1E924B6039E}"/>
-    <dgm:cxn modelId="{A0A75269-D1BB-42AE-8D70-BA85AF6731A6}" srcId="{501AF595-CDAB-4781-8D72-261990F91909}" destId="{31493473-0B05-47C4-AEA5-EDE16CDDBF02}" srcOrd="1" destOrd="0" parTransId="{2EA938CE-D463-488E-B195-CCD8FC4C6305}" sibTransId="{1884AD72-4240-45F8-8CD3-579F601F07EA}"/>
     <dgm:cxn modelId="{60A9E2C2-A3D2-41EF-9100-4C65F680F7BD}" srcId="{501AF595-CDAB-4781-8D72-261990F91909}" destId="{6B409A86-D65B-4B24-AD2D-5E9A37AF4C28}" srcOrd="0" destOrd="0" parTransId="{F642552C-6FB8-4BBC-A666-B5373240383D}" sibTransId="{855B4926-B283-4BCE-9852-5405EFF74DB2}"/>
-    <dgm:cxn modelId="{586F91DE-7787-4888-BDD7-379927A1E1D4}" type="presOf" srcId="{501AF595-CDAB-4781-8D72-261990F91909}" destId="{21326746-704D-4398-A34E-2230989F87D3}" srcOrd="0" destOrd="0" presId="urn:microsoft.com/office/officeart/2005/8/layout/chevronAccent+Icon"/>
     <dgm:cxn modelId="{A0A442E6-BE57-4F5E-9A85-278C44B3D407}" type="presParOf" srcId="{21326746-704D-4398-A34E-2230989F87D3}" destId="{1BF365EB-C264-4C6E-BA01-E96232B338D9}" srcOrd="0" destOrd="0" presId="urn:microsoft.com/office/officeart/2005/8/layout/chevronAccent+Icon"/>
     <dgm:cxn modelId="{322F9183-FB5A-4FF3-B228-9292AB12417C}" type="presParOf" srcId="{1BF365EB-C264-4C6E-BA01-E96232B338D9}" destId="{46FBC381-A773-4771-9622-709E360AE4BA}" srcOrd="0" destOrd="0" presId="urn:microsoft.com/office/officeart/2005/8/layout/chevronAccent+Icon"/>
     <dgm:cxn modelId="{C528BEFC-B0D9-4CF9-AFB9-BF33FA610264}" type="presParOf" srcId="{1BF365EB-C264-4C6E-BA01-E96232B338D9}" destId="{26F97F4A-A8CC-4CDB-B4F3-B135E46B1D0E}" srcOrd="1" destOrd="0" presId="urn:microsoft.com/office/officeart/2005/8/layout/chevronAccent+Icon"/>
@@ -3174,6 +3230,13 @@
         </dgm:presLayoutVars>
       </dgm:prSet>
       <dgm:spPr/>
+      <dgm:t>
+        <a:bodyPr/>
+        <a:lstStyle/>
+        <a:p>
+          <a:endParaRPr lang="en-US"/>
+        </a:p>
+      </dgm:t>
     </dgm:pt>
     <dgm:pt modelId="{1BF365EB-C264-4C6E-BA01-E96232B338D9}" type="pres">
       <dgm:prSet presAssocID="{6B409A86-D65B-4B24-AD2D-5E9A37AF4C28}" presName="composite" presStyleCnt="0"/>
@@ -3190,6 +3253,13 @@
         </dgm:presLayoutVars>
       </dgm:prSet>
       <dgm:spPr/>
+      <dgm:t>
+        <a:bodyPr/>
+        <a:lstStyle/>
+        <a:p>
+          <a:endParaRPr lang="en-US"/>
+        </a:p>
+      </dgm:t>
     </dgm:pt>
     <dgm:pt modelId="{6A877AA9-FD19-4A4D-8ED1-16915D4D091E}" type="pres">
       <dgm:prSet presAssocID="{855B4926-B283-4BCE-9852-5405EFF74DB2}" presName="compositeSpace" presStyleCnt="0"/>
@@ -3210,6 +3280,13 @@
         </dgm:presLayoutVars>
       </dgm:prSet>
       <dgm:spPr/>
+      <dgm:t>
+        <a:bodyPr/>
+        <a:lstStyle/>
+        <a:p>
+          <a:endParaRPr lang="en-US"/>
+        </a:p>
+      </dgm:t>
     </dgm:pt>
     <dgm:pt modelId="{55128098-C2BE-49CA-A82C-4B20BD0C679C}" type="pres">
       <dgm:prSet presAssocID="{1884AD72-4240-45F8-8CD3-579F601F07EA}" presName="compositeSpace" presStyleCnt="0"/>
@@ -3230,16 +3307,23 @@
         </dgm:presLayoutVars>
       </dgm:prSet>
       <dgm:spPr/>
+      <dgm:t>
+        <a:bodyPr/>
+        <a:lstStyle/>
+        <a:p>
+          <a:endParaRPr lang="en-US"/>
+        </a:p>
+      </dgm:t>
     </dgm:pt>
   </dgm:ptLst>
   <dgm:cxnLst>
+    <dgm:cxn modelId="{23330C3C-0C7B-4548-859B-BBF648813902}" type="presOf" srcId="{6B409A86-D65B-4B24-AD2D-5E9A37AF4C28}" destId="{26F97F4A-A8CC-4CDB-B4F3-B135E46B1D0E}" srcOrd="0" destOrd="0" presId="urn:microsoft.com/office/officeart/2005/8/layout/chevronAccent+Icon"/>
     <dgm:cxn modelId="{4D28F531-16FB-4AEA-80D6-85146B676817}" type="presOf" srcId="{31493473-0B05-47C4-AEA5-EDE16CDDBF02}" destId="{4903C6AB-53DF-4BB4-9561-B90C7AC44781}" srcOrd="0" destOrd="0" presId="urn:microsoft.com/office/officeart/2005/8/layout/chevronAccent+Icon"/>
-    <dgm:cxn modelId="{23330C3C-0C7B-4548-859B-BBF648813902}" type="presOf" srcId="{6B409A86-D65B-4B24-AD2D-5E9A37AF4C28}" destId="{26F97F4A-A8CC-4CDB-B4F3-B135E46B1D0E}" srcOrd="0" destOrd="0" presId="urn:microsoft.com/office/officeart/2005/8/layout/chevronAccent+Icon"/>
+    <dgm:cxn modelId="{586F91DE-7787-4888-BDD7-379927A1E1D4}" type="presOf" srcId="{501AF595-CDAB-4781-8D72-261990F91909}" destId="{21326746-704D-4398-A34E-2230989F87D3}" srcOrd="0" destOrd="0" presId="urn:microsoft.com/office/officeart/2005/8/layout/chevronAccent+Icon"/>
+    <dgm:cxn modelId="{A0A75269-D1BB-42AE-8D70-BA85AF6731A6}" srcId="{501AF595-CDAB-4781-8D72-261990F91909}" destId="{31493473-0B05-47C4-AEA5-EDE16CDDBF02}" srcOrd="1" destOrd="0" parTransId="{2EA938CE-D463-488E-B195-CCD8FC4C6305}" sibTransId="{1884AD72-4240-45F8-8CD3-579F601F07EA}"/>
+    <dgm:cxn modelId="{59B6E95F-4644-49D9-9C37-9A631523510B}" srcId="{501AF595-CDAB-4781-8D72-261990F91909}" destId="{134F9BF5-FFB0-46E3-9A9C-A2CAC8FE582F}" srcOrd="2" destOrd="0" parTransId="{56857B38-DD9A-4571-858D-402D0DF2D70D}" sibTransId="{87317A3E-4423-4E9C-8538-E1E924B6039E}"/>
     <dgm:cxn modelId="{509E343E-F64B-4D87-B84B-718EB8CC5F5D}" type="presOf" srcId="{134F9BF5-FFB0-46E3-9A9C-A2CAC8FE582F}" destId="{9C885632-BD4F-4A43-8C52-444C5CC24EEB}" srcOrd="0" destOrd="0" presId="urn:microsoft.com/office/officeart/2005/8/layout/chevronAccent+Icon"/>
-    <dgm:cxn modelId="{59B6E95F-4644-49D9-9C37-9A631523510B}" srcId="{501AF595-CDAB-4781-8D72-261990F91909}" destId="{134F9BF5-FFB0-46E3-9A9C-A2CAC8FE582F}" srcOrd="2" destOrd="0" parTransId="{56857B38-DD9A-4571-858D-402D0DF2D70D}" sibTransId="{87317A3E-4423-4E9C-8538-E1E924B6039E}"/>
-    <dgm:cxn modelId="{A0A75269-D1BB-42AE-8D70-BA85AF6731A6}" srcId="{501AF595-CDAB-4781-8D72-261990F91909}" destId="{31493473-0B05-47C4-AEA5-EDE16CDDBF02}" srcOrd="1" destOrd="0" parTransId="{2EA938CE-D463-488E-B195-CCD8FC4C6305}" sibTransId="{1884AD72-4240-45F8-8CD3-579F601F07EA}"/>
     <dgm:cxn modelId="{60A9E2C2-A3D2-41EF-9100-4C65F680F7BD}" srcId="{501AF595-CDAB-4781-8D72-261990F91909}" destId="{6B409A86-D65B-4B24-AD2D-5E9A37AF4C28}" srcOrd="0" destOrd="0" parTransId="{F642552C-6FB8-4BBC-A666-B5373240383D}" sibTransId="{855B4926-B283-4BCE-9852-5405EFF74DB2}"/>
-    <dgm:cxn modelId="{586F91DE-7787-4888-BDD7-379927A1E1D4}" type="presOf" srcId="{501AF595-CDAB-4781-8D72-261990F91909}" destId="{21326746-704D-4398-A34E-2230989F87D3}" srcOrd="0" destOrd="0" presId="urn:microsoft.com/office/officeart/2005/8/layout/chevronAccent+Icon"/>
     <dgm:cxn modelId="{A0A442E6-BE57-4F5E-9A85-278C44B3D407}" type="presParOf" srcId="{21326746-704D-4398-A34E-2230989F87D3}" destId="{1BF365EB-C264-4C6E-BA01-E96232B338D9}" srcOrd="0" destOrd="0" presId="urn:microsoft.com/office/officeart/2005/8/layout/chevronAccent+Icon"/>
     <dgm:cxn modelId="{322F9183-FB5A-4FF3-B228-9292AB12417C}" type="presParOf" srcId="{1BF365EB-C264-4C6E-BA01-E96232B338D9}" destId="{46FBC381-A773-4771-9622-709E360AE4BA}" srcOrd="0" destOrd="0" presId="urn:microsoft.com/office/officeart/2005/8/layout/chevronAccent+Icon"/>
     <dgm:cxn modelId="{C528BEFC-B0D9-4CF9-AFB9-BF33FA610264}" type="presParOf" srcId="{1BF365EB-C264-4C6E-BA01-E96232B338D9}" destId="{26F97F4A-A8CC-4CDB-B4F3-B135E46B1D0E}" srcOrd="1" destOrd="0" presId="urn:microsoft.com/office/officeart/2005/8/layout/chevronAccent+Icon"/>
@@ -3378,7 +3462,7 @@
         </a:bodyPr>
         <a:lstStyle/>
         <a:p>
-          <a:pPr marL="0" lvl="0" indent="0" algn="ctr" defTabSz="666750">
+          <a:pPr lvl="0" algn="ctr" defTabSz="666750">
             <a:lnSpc>
               <a:spcPct val="90000"/>
             </a:lnSpc>
@@ -3388,7 +3472,6 @@
             <a:spcAft>
               <a:spcPct val="35000"/>
             </a:spcAft>
-            <a:buNone/>
           </a:pPr>
           <a:r>
             <a:rPr lang="en-US" sz="1500" kern="1200" dirty="0"/>
@@ -3509,7 +3592,7 @@
         </a:bodyPr>
         <a:lstStyle/>
         <a:p>
-          <a:pPr marL="0" lvl="0" indent="0" algn="ctr" defTabSz="666750">
+          <a:pPr lvl="0" algn="ctr" defTabSz="666750">
             <a:lnSpc>
               <a:spcPct val="90000"/>
             </a:lnSpc>
@@ -3519,7 +3602,6 @@
             <a:spcAft>
               <a:spcPct val="35000"/>
             </a:spcAft>
-            <a:buNone/>
           </a:pPr>
           <a:r>
             <a:rPr lang="en-US" sz="1500" kern="1200" dirty="0"/>
@@ -3640,7 +3722,7 @@
         </a:bodyPr>
         <a:lstStyle/>
         <a:p>
-          <a:pPr marL="0" lvl="0" indent="0" algn="ctr" defTabSz="666750">
+          <a:pPr lvl="0" algn="ctr" defTabSz="666750">
             <a:lnSpc>
               <a:spcPct val="90000"/>
             </a:lnSpc>
@@ -3650,7 +3732,6 @@
             <a:spcAft>
               <a:spcPct val="35000"/>
             </a:spcAft>
-            <a:buNone/>
           </a:pPr>
           <a:r>
             <a:rPr lang="en-US" sz="1500" kern="1200" dirty="0"/>
@@ -3783,7 +3864,7 @@
         </a:bodyPr>
         <a:lstStyle/>
         <a:p>
-          <a:pPr marL="0" lvl="0" indent="0" algn="ctr" defTabSz="666750">
+          <a:pPr lvl="0" algn="ctr" defTabSz="666750">
             <a:lnSpc>
               <a:spcPct val="90000"/>
             </a:lnSpc>
@@ -3793,7 +3874,6 @@
             <a:spcAft>
               <a:spcPct val="35000"/>
             </a:spcAft>
-            <a:buNone/>
           </a:pPr>
           <a:r>
             <a:rPr lang="en-US" sz="1500" kern="1200" dirty="0"/>
@@ -3914,7 +3994,7 @@
         </a:bodyPr>
         <a:lstStyle/>
         <a:p>
-          <a:pPr marL="0" lvl="0" indent="0" algn="ctr" defTabSz="666750">
+          <a:pPr lvl="0" algn="ctr" defTabSz="666750">
             <a:lnSpc>
               <a:spcPct val="90000"/>
             </a:lnSpc>
@@ -3924,7 +4004,6 @@
             <a:spcAft>
               <a:spcPct val="35000"/>
             </a:spcAft>
-            <a:buNone/>
           </a:pPr>
           <a:r>
             <a:rPr lang="en-US" sz="1500" kern="1200" dirty="0"/>
@@ -4045,7 +4124,7 @@
         </a:bodyPr>
         <a:lstStyle/>
         <a:p>
-          <a:pPr marL="0" lvl="0" indent="0" algn="ctr" defTabSz="666750">
+          <a:pPr lvl="0" algn="ctr" defTabSz="666750">
             <a:lnSpc>
               <a:spcPct val="90000"/>
             </a:lnSpc>
@@ -4055,7 +4134,6 @@
             <a:spcAft>
               <a:spcPct val="35000"/>
             </a:spcAft>
-            <a:buNone/>
           </a:pPr>
           <a:r>
             <a:rPr lang="en-US" sz="1500" kern="1200" dirty="0"/>
@@ -4188,7 +4266,7 @@
         </a:bodyPr>
         <a:lstStyle/>
         <a:p>
-          <a:pPr marL="0" lvl="0" indent="0" algn="ctr" defTabSz="844550">
+          <a:pPr lvl="0" algn="ctr" defTabSz="844550">
             <a:lnSpc>
               <a:spcPct val="90000"/>
             </a:lnSpc>
@@ -4198,7 +4276,6 @@
             <a:spcAft>
               <a:spcPct val="35000"/>
             </a:spcAft>
-            <a:buNone/>
           </a:pPr>
           <a:r>
             <a:rPr lang="en-US" sz="1900" kern="1200" dirty="0" err="1"/>
@@ -4320,7 +4397,7 @@
         </a:bodyPr>
         <a:lstStyle/>
         <a:p>
-          <a:pPr marL="0" lvl="0" indent="0" algn="ctr" defTabSz="844550">
+          <a:pPr lvl="0" algn="ctr" defTabSz="844550">
             <a:lnSpc>
               <a:spcPct val="90000"/>
             </a:lnSpc>
@@ -4330,7 +4407,6 @@
             <a:spcAft>
               <a:spcPct val="35000"/>
             </a:spcAft>
-            <a:buNone/>
           </a:pPr>
           <a:r>
             <a:rPr lang="en-US" sz="1900" kern="1200" dirty="0" err="1"/>
@@ -4452,7 +4528,7 @@
         </a:bodyPr>
         <a:lstStyle/>
         <a:p>
-          <a:pPr marL="0" lvl="0" indent="0" algn="ctr" defTabSz="844550">
+          <a:pPr lvl="0" algn="ctr" defTabSz="844550">
             <a:lnSpc>
               <a:spcPct val="90000"/>
             </a:lnSpc>
@@ -4462,7 +4538,6 @@
             <a:spcAft>
               <a:spcPct val="35000"/>
             </a:spcAft>
-            <a:buNone/>
           </a:pPr>
           <a:r>
             <a:rPr lang="en-US" sz="1900" kern="1200" dirty="0" err="1"/>
@@ -10189,7 +10264,7 @@
           <a:p>
             <a:fld id="{6561ECEE-BEE2-4B2B-8E54-3D1F8E17FD00}" type="datetime1">
               <a:rPr lang="en-US" smtClean="0"/>
-              <a:t>8/10/2017</a:t>
+              <a:t>8/12/2018</a:t>
             </a:fld>
             <a:endParaRPr lang="en-US"/>
           </a:p>
@@ -10306,7 +10381,7 @@
           <a:p>
             <a:fld id="{3FFEF931-1371-4943-B450-0DB8DD0169DB}" type="datetimeFigureOut">
               <a:rPr lang="en-US" smtClean="0"/>
-              <a:t>8/10/2017</a:t>
+              <a:t>8/12/2018</a:t>
             </a:fld>
             <a:endParaRPr lang="en-US"/>
           </a:p>
@@ -10447,7 +10522,7 @@
           <a:p>
             <a:fld id="{3FFEF931-1371-4943-B450-0DB8DD0169DB}" type="datetimeFigureOut">
               <a:rPr lang="en-US" smtClean="0"/>
-              <a:t>8/10/2017</a:t>
+              <a:t>8/12/2018</a:t>
             </a:fld>
             <a:endParaRPr lang="en-US"/>
           </a:p>
@@ -10712,7 +10787,7 @@
           <a:p>
             <a:fld id="{3FFEF931-1371-4943-B450-0DB8DD0169DB}" type="datetimeFigureOut">
               <a:rPr lang="en-US" smtClean="0"/>
-              <a:t>8/10/2017</a:t>
+              <a:t>8/12/2018</a:t>
             </a:fld>
             <a:endParaRPr lang="en-US"/>
           </a:p>
@@ -11616,8 +11691,13 @@
           <a:p>
             <a:r>
               <a:rPr lang="en-US" sz="2000" dirty="0"/>
-              <a:t>August 11, 2017</a:t>
+              <a:t>August </a:t>
             </a:r>
+            <a:r>
+              <a:rPr lang="en-US" sz="2000" dirty="0" smtClean="0"/>
+              <a:t>12, 2018</a:t>
+            </a:r>
+            <a:endParaRPr lang="en-US" sz="2000" dirty="0"/>
           </a:p>
         </p:txBody>
       </p:sp>
@@ -11669,7 +11749,11 @@
             <a:pPr marL="0" indent="0"/>
             <a:r>
               <a:rPr lang="en-US" sz="2800" dirty="0"/>
-              <a:t>Vivek Singh &amp; Deepak George</a:t>
+              <a:t>Vivek </a:t>
+            </a:r>
+            <a:r>
+              <a:rPr lang="en-US" sz="2800" dirty="0" smtClean="0"/>
+              <a:t>Singh</a:t>
             </a:r>
           </a:p>
           <a:p>
@@ -11702,15 +11786,15 @@
             <a:pPr marL="0" indent="0"/>
             <a:r>
               <a:rPr lang="en-US" sz="1800" i="1" dirty="0"/>
-              <a:t>{vivek4, </a:t>
+              <a:t>{</a:t>
             </a:r>
             <a:r>
-              <a:rPr lang="en-US" sz="1800" i="1" dirty="0" err="1"/>
-              <a:t>georged</a:t>
+              <a:rPr lang="en-US" sz="1800" i="1" dirty="0" smtClean="0"/>
+              <a:t>vivek4}@</a:t>
             </a:r>
             <a:r>
               <a:rPr lang="en-US" sz="1800" i="1" dirty="0"/>
-              <a:t>}@mail.usf.edu </a:t>
+              <a:t>mail.usf.edu </a:t>
             </a:r>
           </a:p>
           <a:p>
@@ -12165,7 +12249,7 @@
         <p:spPr>
           <a:xfrm>
             <a:off x="506167" y="4016995"/>
-            <a:ext cx="6206892" cy="1815882"/>
+            <a:ext cx="4245127" cy="2031325"/>
           </a:xfrm>
           <a:prstGeom prst="rect">
             <a:avLst/>
@@ -12173,15 +12257,19 @@
           <a:noFill/>
         </p:spPr>
         <p:txBody>
-          <a:bodyPr wrap="none" rtlCol="0">
+          <a:bodyPr wrap="square" rtlCol="0">
             <a:spAutoFit/>
           </a:bodyPr>
           <a:lstStyle/>
           <a:p>
             <a:pPr algn="l"/>
             <a:r>
+              <a:rPr lang="en-US" sz="1400" b="1" dirty="0" smtClean="0"/>
+              <a:t>Spring </a:t>
+            </a:r>
+            <a:r>
               <a:rPr lang="en-US" sz="1400" b="1" dirty="0"/>
-              <a:t>Sprint 2017 </a:t>
+              <a:t>2017 </a:t>
             </a:r>
           </a:p>
           <a:p>
@@ -12472,6 +12560,119 @@
           </a:extLst>
         </p:spPr>
       </p:pic>
+      <p:sp>
+        <p:nvSpPr>
+          <p:cNvPr id="19" name="TextBox 18">
+            <a:extLst>
+              <a:ext uri="{FF2B5EF4-FFF2-40B4-BE49-F238E27FC236}">
+                <a16:creationId xmlns:a16="http://schemas.microsoft.com/office/drawing/2014/main" id="{1840D67C-096F-4705-B1AC-F4C91CAC91B2}"/>
+              </a:ext>
+            </a:extLst>
+          </p:cNvPr>
+          <p:cNvSpPr txBox="1"/>
+          <p:nvPr/>
+        </p:nvSpPr>
+        <p:spPr>
+          <a:xfrm>
+            <a:off x="4828576" y="3952980"/>
+            <a:ext cx="4245127" cy="1384995"/>
+          </a:xfrm>
+          <a:prstGeom prst="rect">
+            <a:avLst/>
+          </a:prstGeom>
+          <a:noFill/>
+        </p:spPr>
+        <p:txBody>
+          <a:bodyPr wrap="square" rtlCol="0">
+            <a:spAutoFit/>
+          </a:bodyPr>
+          <a:lstStyle/>
+          <a:p>
+            <a:pPr algn="l"/>
+            <a:r>
+              <a:rPr lang="en-US" sz="1400" b="1" dirty="0"/>
+              <a:t>Sprint </a:t>
+            </a:r>
+            <a:r>
+              <a:rPr lang="en-US" sz="1400" b="1" dirty="0" smtClean="0"/>
+              <a:t>2018 </a:t>
+            </a:r>
+            <a:endParaRPr lang="en-US" sz="1400" b="1" dirty="0"/>
+          </a:p>
+          <a:p>
+            <a:pPr algn="l"/>
+            <a:r>
+              <a:rPr lang="en-US" sz="1400" dirty="0"/>
+              <a:t>ISM </a:t>
+            </a:r>
+            <a:r>
+              <a:rPr lang="en-US" sz="1400" dirty="0" smtClean="0"/>
+              <a:t>4220: Business Data Communications</a:t>
+            </a:r>
+            <a:endParaRPr lang="en-US" sz="1400" dirty="0"/>
+          </a:p>
+          <a:p>
+            <a:pPr algn="l"/>
+            <a:r>
+              <a:rPr lang="en-US" sz="1400" dirty="0"/>
+              <a:t>1</a:t>
+            </a:r>
+            <a:r>
+              <a:rPr lang="en-US" sz="1400" baseline="30000" dirty="0"/>
+              <a:t>st</a:t>
+            </a:r>
+            <a:r>
+              <a:rPr lang="en-US" sz="1400" dirty="0"/>
+              <a:t> </a:t>
+            </a:r>
+            <a:r>
+              <a:rPr lang="en-US" sz="1400" dirty="0" smtClean="0"/>
+              <a:t>Python </a:t>
+            </a:r>
+            <a:r>
+              <a:rPr lang="en-US" sz="1400" dirty="0" err="1"/>
+              <a:t>Bootcamp</a:t>
+            </a:r>
+            <a:r>
+              <a:rPr lang="en-US" sz="1400" dirty="0"/>
+              <a:t> </a:t>
+            </a:r>
+            <a:r>
+              <a:rPr lang="en-US" sz="1400" dirty="0" smtClean="0"/>
+              <a:t>[August 11, 2017]</a:t>
+            </a:r>
+            <a:endParaRPr lang="en-US" sz="1400" dirty="0"/>
+          </a:p>
+          <a:p>
+            <a:pPr algn="l"/>
+            <a:endParaRPr lang="en-US" sz="1400" dirty="0"/>
+          </a:p>
+          <a:p>
+            <a:pPr algn="l"/>
+            <a:r>
+              <a:rPr lang="en-US" sz="1400" b="1" dirty="0"/>
+              <a:t>Fall </a:t>
+            </a:r>
+            <a:r>
+              <a:rPr lang="en-US" sz="1400" b="1" dirty="0" smtClean="0"/>
+              <a:t>2018</a:t>
+            </a:r>
+            <a:endParaRPr lang="en-US" sz="1400" b="1" dirty="0"/>
+          </a:p>
+          <a:p>
+            <a:pPr algn="l"/>
+            <a:r>
+              <a:rPr lang="en-US" sz="1400" dirty="0"/>
+              <a:t>ISM 3113: System Analysis </a:t>
+            </a:r>
+            <a:r>
+              <a:rPr lang="en-US" sz="1400" dirty="0" smtClean="0"/>
+              <a:t>Design</a:t>
+            </a:r>
+            <a:endParaRPr lang="en-US" sz="1400" dirty="0"/>
+          </a:p>
+        </p:txBody>
+      </p:sp>
     </p:spTree>
     <p:extLst>
       <p:ext uri="{BB962C8B-B14F-4D97-AF65-F5344CB8AC3E}">
